--- a/DOCS/Materials.pptx
+++ b/DOCS/Materials.pptx
@@ -117,16 +117,24 @@
   <pc:docChgLst>
     <pc:chgData name="Ivan Rubinov" userId="5a4744fe-eb10-4d5d-85e2-0c367af3d7e8" providerId="ADAL" clId="{6045DBA1-895C-4253-9FBC-E7926F538110}"/>
     <pc:docChg chg="undo redo custSel modSld">
-      <pc:chgData name="Ivan Rubinov" userId="5a4744fe-eb10-4d5d-85e2-0c367af3d7e8" providerId="ADAL" clId="{6045DBA1-895C-4253-9FBC-E7926F538110}" dt="2023-12-07T23:02:00.798" v="395" actId="1076"/>
+      <pc:chgData name="Ivan Rubinov" userId="5a4744fe-eb10-4d5d-85e2-0c367af3d7e8" providerId="ADAL" clId="{6045DBA1-895C-4253-9FBC-E7926F538110}" dt="2023-12-14T11:18:08.986" v="1304" actId="20577"/>
       <pc:docMkLst>
         <pc:docMk/>
       </pc:docMkLst>
       <pc:sldChg chg="addSp delSp modSp mod">
-        <pc:chgData name="Ivan Rubinov" userId="5a4744fe-eb10-4d5d-85e2-0c367af3d7e8" providerId="ADAL" clId="{6045DBA1-895C-4253-9FBC-E7926F538110}" dt="2023-12-07T23:02:00.798" v="395" actId="1076"/>
+        <pc:chgData name="Ivan Rubinov" userId="5a4744fe-eb10-4d5d-85e2-0c367af3d7e8" providerId="ADAL" clId="{6045DBA1-895C-4253-9FBC-E7926F538110}" dt="2023-12-14T11:18:08.986" v="1304" actId="20577"/>
         <pc:sldMkLst>
           <pc:docMk/>
           <pc:sldMk cId="3221126859" sldId="256"/>
         </pc:sldMkLst>
+        <pc:spChg chg="add del">
+          <ac:chgData name="Ivan Rubinov" userId="5a4744fe-eb10-4d5d-85e2-0c367af3d7e8" providerId="ADAL" clId="{6045DBA1-895C-4253-9FBC-E7926F538110}" dt="2023-12-14T10:19:29.458" v="399" actId="478"/>
+          <ac:spMkLst>
+            <pc:docMk/>
+            <pc:sldMk cId="3221126859" sldId="256"/>
+            <ac:spMk id="2" creationId="{6DD532A8-3EA6-B721-4635-660D37E25580}"/>
+          </ac:spMkLst>
+        </pc:spChg>
         <pc:spChg chg="add del mod">
           <ac:chgData name="Ivan Rubinov" userId="5a4744fe-eb10-4d5d-85e2-0c367af3d7e8" providerId="ADAL" clId="{6045DBA1-895C-4253-9FBC-E7926F538110}" dt="2023-12-07T22:56:44.172" v="316" actId="478"/>
           <ac:spMkLst>
@@ -151,6 +159,14 @@
             <ac:spMk id="3" creationId="{6C3D6649-F629-8987-B56F-2013ED353225}"/>
           </ac:spMkLst>
         </pc:spChg>
+        <pc:spChg chg="add mod">
+          <ac:chgData name="Ivan Rubinov" userId="5a4744fe-eb10-4d5d-85e2-0c367af3d7e8" providerId="ADAL" clId="{6045DBA1-895C-4253-9FBC-E7926F538110}" dt="2023-12-14T11:18:08.986" v="1304" actId="20577"/>
+          <ac:spMkLst>
+            <pc:docMk/>
+            <pc:sldMk cId="3221126859" sldId="256"/>
+            <ac:spMk id="3" creationId="{6DA4EACE-B5A7-F6C1-F986-12CFF6920964}"/>
+          </ac:spMkLst>
+        </pc:spChg>
         <pc:spChg chg="del">
           <ac:chgData name="Ivan Rubinov" userId="5a4744fe-eb10-4d5d-85e2-0c367af3d7e8" providerId="ADAL" clId="{6045DBA1-895C-4253-9FBC-E7926F538110}" dt="2023-12-07T22:41:13.097" v="1" actId="478"/>
           <ac:spMkLst>
@@ -159,12 +175,20 @@
             <ac:spMk id="3" creationId="{89452B5B-96CC-87C6-D8D2-D255914D693F}"/>
           </ac:spMkLst>
         </pc:spChg>
+        <pc:spChg chg="add del mod">
+          <ac:chgData name="Ivan Rubinov" userId="5a4744fe-eb10-4d5d-85e2-0c367af3d7e8" providerId="ADAL" clId="{6045DBA1-895C-4253-9FBC-E7926F538110}" dt="2023-12-14T10:19:54.213" v="404" actId="478"/>
+          <ac:spMkLst>
+            <pc:docMk/>
+            <pc:sldMk cId="3221126859" sldId="256"/>
+            <ac:spMk id="4" creationId="{64EA876B-290D-26BA-83B2-CCB991192BEE}"/>
+          </ac:spMkLst>
+        </pc:spChg>
         <pc:spChg chg="add mod">
-          <ac:chgData name="Ivan Rubinov" userId="5a4744fe-eb10-4d5d-85e2-0c367af3d7e8" providerId="ADAL" clId="{6045DBA1-895C-4253-9FBC-E7926F538110}" dt="2023-12-07T22:52:48.510" v="195" actId="1076"/>
+          <ac:chgData name="Ivan Rubinov" userId="5a4744fe-eb10-4d5d-85e2-0c367af3d7e8" providerId="ADAL" clId="{6045DBA1-895C-4253-9FBC-E7926F538110}" dt="2023-12-14T11:05:07.837" v="947" actId="1036"/>
           <ac:spMkLst>
             <pc:docMk/>
             <pc:sldMk cId="3221126859" sldId="256"/>
-            <ac:spMk id="4" creationId="{64EA876B-290D-26BA-83B2-CCB991192BEE}"/>
+            <ac:spMk id="5" creationId="{D81F9074-81A5-52B9-F636-520AAD24A069}"/>
           </ac:spMkLst>
         </pc:spChg>
         <pc:spChg chg="add del mod">
@@ -184,7 +208,55 @@
           </ac:spMkLst>
         </pc:spChg>
         <pc:spChg chg="add mod">
-          <ac:chgData name="Ivan Rubinov" userId="5a4744fe-eb10-4d5d-85e2-0c367af3d7e8" providerId="ADAL" clId="{6045DBA1-895C-4253-9FBC-E7926F538110}" dt="2023-12-07T22:55:40.738" v="298" actId="1076"/>
+          <ac:chgData name="Ivan Rubinov" userId="5a4744fe-eb10-4d5d-85e2-0c367af3d7e8" providerId="ADAL" clId="{6045DBA1-895C-4253-9FBC-E7926F538110}" dt="2023-12-14T11:05:16.108" v="949" actId="14100"/>
+          <ac:spMkLst>
+            <pc:docMk/>
+            <pc:sldMk cId="3221126859" sldId="256"/>
+            <ac:spMk id="6" creationId="{54A02FD1-9314-8E51-F24B-C2953F11D52A}"/>
+          </ac:spMkLst>
+        </pc:spChg>
+        <pc:spChg chg="add mod">
+          <ac:chgData name="Ivan Rubinov" userId="5a4744fe-eb10-4d5d-85e2-0c367af3d7e8" providerId="ADAL" clId="{6045DBA1-895C-4253-9FBC-E7926F538110}" dt="2023-12-14T11:05:32.753" v="953" actId="1076"/>
+          <ac:spMkLst>
+            <pc:docMk/>
+            <pc:sldMk cId="3221126859" sldId="256"/>
+            <ac:spMk id="7" creationId="{D7EA5122-7E94-5F9A-5A18-C3385050FF3E}"/>
+          </ac:spMkLst>
+        </pc:spChg>
+        <pc:spChg chg="add mod">
+          <ac:chgData name="Ivan Rubinov" userId="5a4744fe-eb10-4d5d-85e2-0c367af3d7e8" providerId="ADAL" clId="{6045DBA1-895C-4253-9FBC-E7926F538110}" dt="2023-12-14T11:15:13.105" v="1247" actId="1076"/>
+          <ac:spMkLst>
+            <pc:docMk/>
+            <pc:sldMk cId="3221126859" sldId="256"/>
+            <ac:spMk id="9" creationId="{27C65C3D-2AE8-8303-E75F-A70F6A8263C3}"/>
+          </ac:spMkLst>
+        </pc:spChg>
+        <pc:spChg chg="add mod">
+          <ac:chgData name="Ivan Rubinov" userId="5a4744fe-eb10-4d5d-85e2-0c367af3d7e8" providerId="ADAL" clId="{6045DBA1-895C-4253-9FBC-E7926F538110}" dt="2023-12-14T11:15:13.105" v="1247" actId="1076"/>
+          <ac:spMkLst>
+            <pc:docMk/>
+            <pc:sldMk cId="3221126859" sldId="256"/>
+            <ac:spMk id="11" creationId="{DB441486-1ED7-8022-F6DC-50017442D7EB}"/>
+          </ac:spMkLst>
+        </pc:spChg>
+        <pc:spChg chg="add del mod">
+          <ac:chgData name="Ivan Rubinov" userId="5a4744fe-eb10-4d5d-85e2-0c367af3d7e8" providerId="ADAL" clId="{6045DBA1-895C-4253-9FBC-E7926F538110}" dt="2023-12-14T10:40:56.260" v="495" actId="478"/>
+          <ac:spMkLst>
+            <pc:docMk/>
+            <pc:sldMk cId="3221126859" sldId="256"/>
+            <ac:spMk id="17" creationId="{6ADE00CA-4C1D-6AAC-E25D-9368946F486E}"/>
+          </ac:spMkLst>
+        </pc:spChg>
+        <pc:spChg chg="add mod">
+          <ac:chgData name="Ivan Rubinov" userId="5a4744fe-eb10-4d5d-85e2-0c367af3d7e8" providerId="ADAL" clId="{6045DBA1-895C-4253-9FBC-E7926F538110}" dt="2023-12-14T11:06:43.143" v="955" actId="692"/>
+          <ac:spMkLst>
+            <pc:docMk/>
+            <pc:sldMk cId="3221126859" sldId="256"/>
+            <ac:spMk id="19" creationId="{A55994E1-2051-984A-40AB-1E720B16CC3D}"/>
+          </ac:spMkLst>
+        </pc:spChg>
+        <pc:spChg chg="add mod">
+          <ac:chgData name="Ivan Rubinov" userId="5a4744fe-eb10-4d5d-85e2-0c367af3d7e8" providerId="ADAL" clId="{6045DBA1-895C-4253-9FBC-E7926F538110}" dt="2023-12-14T10:44:25.334" v="625" actId="1076"/>
           <ac:spMkLst>
             <pc:docMk/>
             <pc:sldMk cId="3221126859" sldId="256"/>
@@ -192,7 +264,7 @@
           </ac:spMkLst>
         </pc:spChg>
         <pc:spChg chg="add mod">
-          <ac:chgData name="Ivan Rubinov" userId="5a4744fe-eb10-4d5d-85e2-0c367af3d7e8" providerId="ADAL" clId="{6045DBA1-895C-4253-9FBC-E7926F538110}" dt="2023-12-07T22:56:49.656" v="319" actId="14100"/>
+          <ac:chgData name="Ivan Rubinov" userId="5a4744fe-eb10-4d5d-85e2-0c367af3d7e8" providerId="ADAL" clId="{6045DBA1-895C-4253-9FBC-E7926F538110}" dt="2023-12-14T10:50:47.533" v="807" actId="1076"/>
           <ac:spMkLst>
             <pc:docMk/>
             <pc:sldMk cId="3221126859" sldId="256"/>
@@ -200,7 +272,7 @@
           </ac:spMkLst>
         </pc:spChg>
         <pc:spChg chg="add mod">
-          <ac:chgData name="Ivan Rubinov" userId="5a4744fe-eb10-4d5d-85e2-0c367af3d7e8" providerId="ADAL" clId="{6045DBA1-895C-4253-9FBC-E7926F538110}" dt="2023-12-07T23:00:59.274" v="383" actId="20577"/>
+          <ac:chgData name="Ivan Rubinov" userId="5a4744fe-eb10-4d5d-85e2-0c367af3d7e8" providerId="ADAL" clId="{6045DBA1-895C-4253-9FBC-E7926F538110}" dt="2023-12-14T10:40:12.689" v="485" actId="14100"/>
           <ac:spMkLst>
             <pc:docMk/>
             <pc:sldMk cId="3221126859" sldId="256"/>
@@ -208,7 +280,7 @@
           </ac:spMkLst>
         </pc:spChg>
         <pc:spChg chg="add mod">
-          <ac:chgData name="Ivan Rubinov" userId="5a4744fe-eb10-4d5d-85e2-0c367af3d7e8" providerId="ADAL" clId="{6045DBA1-895C-4253-9FBC-E7926F538110}" dt="2023-12-07T23:01:58.958" v="394" actId="1076"/>
+          <ac:chgData name="Ivan Rubinov" userId="5a4744fe-eb10-4d5d-85e2-0c367af3d7e8" providerId="ADAL" clId="{6045DBA1-895C-4253-9FBC-E7926F538110}" dt="2023-12-14T11:15:13.105" v="1247" actId="1076"/>
           <ac:spMkLst>
             <pc:docMk/>
             <pc:sldMk cId="3221126859" sldId="256"/>
@@ -216,7 +288,7 @@
           </ac:spMkLst>
         </pc:spChg>
         <pc:spChg chg="add mod">
-          <ac:chgData name="Ivan Rubinov" userId="5a4744fe-eb10-4d5d-85e2-0c367af3d7e8" providerId="ADAL" clId="{6045DBA1-895C-4253-9FBC-E7926F538110}" dt="2023-12-07T22:58:14.701" v="343" actId="14100"/>
+          <ac:chgData name="Ivan Rubinov" userId="5a4744fe-eb10-4d5d-85e2-0c367af3d7e8" providerId="ADAL" clId="{6045DBA1-895C-4253-9FBC-E7926F538110}" dt="2023-12-14T10:44:41.301" v="627" actId="1076"/>
           <ac:spMkLst>
             <pc:docMk/>
             <pc:sldMk cId="3221126859" sldId="256"/>
@@ -232,7 +304,15 @@
           </ac:spMkLst>
         </pc:spChg>
         <pc:spChg chg="add mod">
-          <ac:chgData name="Ivan Rubinov" userId="5a4744fe-eb10-4d5d-85e2-0c367af3d7e8" providerId="ADAL" clId="{6045DBA1-895C-4253-9FBC-E7926F538110}" dt="2023-12-07T22:58:43.752" v="348" actId="1076"/>
+          <ac:chgData name="Ivan Rubinov" userId="5a4744fe-eb10-4d5d-85e2-0c367af3d7e8" providerId="ADAL" clId="{6045DBA1-895C-4253-9FBC-E7926F538110}" dt="2023-12-14T11:06:43.143" v="955" actId="692"/>
+          <ac:spMkLst>
+            <pc:docMk/>
+            <pc:sldMk cId="3221126859" sldId="256"/>
+            <ac:spMk id="25" creationId="{D3C7AF69-DFE5-E76B-3F03-FC600DC3CF1C}"/>
+          </ac:spMkLst>
+        </pc:spChg>
+        <pc:spChg chg="add mod">
+          <ac:chgData name="Ivan Rubinov" userId="5a4744fe-eb10-4d5d-85e2-0c367af3d7e8" providerId="ADAL" clId="{6045DBA1-895C-4253-9FBC-E7926F538110}" dt="2023-12-14T10:58:31.046" v="840" actId="14100"/>
           <ac:spMkLst>
             <pc:docMk/>
             <pc:sldMk cId="3221126859" sldId="256"/>
@@ -240,7 +320,7 @@
           </ac:spMkLst>
         </pc:spChg>
         <pc:spChg chg="add mod">
-          <ac:chgData name="Ivan Rubinov" userId="5a4744fe-eb10-4d5d-85e2-0c367af3d7e8" providerId="ADAL" clId="{6045DBA1-895C-4253-9FBC-E7926F538110}" dt="2023-12-07T22:58:58.715" v="353"/>
+          <ac:chgData name="Ivan Rubinov" userId="5a4744fe-eb10-4d5d-85e2-0c367af3d7e8" providerId="ADAL" clId="{6045DBA1-895C-4253-9FBC-E7926F538110}" dt="2023-12-14T11:00:13.885" v="861" actId="1076"/>
           <ac:spMkLst>
             <pc:docMk/>
             <pc:sldMk cId="3221126859" sldId="256"/>
@@ -248,7 +328,7 @@
           </ac:spMkLst>
         </pc:spChg>
         <pc:spChg chg="add mod">
-          <ac:chgData name="Ivan Rubinov" userId="5a4744fe-eb10-4d5d-85e2-0c367af3d7e8" providerId="ADAL" clId="{6045DBA1-895C-4253-9FBC-E7926F538110}" dt="2023-12-07T22:59:14.653" v="356" actId="1076"/>
+          <ac:chgData name="Ivan Rubinov" userId="5a4744fe-eb10-4d5d-85e2-0c367af3d7e8" providerId="ADAL" clId="{6045DBA1-895C-4253-9FBC-E7926F538110}" dt="2023-12-14T11:00:37.579" v="869" actId="1076"/>
           <ac:spMkLst>
             <pc:docMk/>
             <pc:sldMk cId="3221126859" sldId="256"/>
@@ -264,7 +344,15 @@
           </ac:spMkLst>
         </pc:spChg>
         <pc:spChg chg="add mod">
-          <ac:chgData name="Ivan Rubinov" userId="5a4744fe-eb10-4d5d-85e2-0c367af3d7e8" providerId="ADAL" clId="{6045DBA1-895C-4253-9FBC-E7926F538110}" dt="2023-12-07T22:59:51.342" v="361"/>
+          <ac:chgData name="Ivan Rubinov" userId="5a4744fe-eb10-4d5d-85e2-0c367af3d7e8" providerId="ADAL" clId="{6045DBA1-895C-4253-9FBC-E7926F538110}" dt="2023-12-14T11:06:43.143" v="955" actId="692"/>
+          <ac:spMkLst>
+            <pc:docMk/>
+            <pc:sldMk cId="3221126859" sldId="256"/>
+            <ac:spMk id="29" creationId="{A658F230-C21F-B9F8-98E5-235E3C56EAE5}"/>
+          </ac:spMkLst>
+        </pc:spChg>
+        <pc:spChg chg="add mod">
+          <ac:chgData name="Ivan Rubinov" userId="5a4744fe-eb10-4d5d-85e2-0c367af3d7e8" providerId="ADAL" clId="{6045DBA1-895C-4253-9FBC-E7926F538110}" dt="2023-12-14T11:02:19.700" v="896" actId="1037"/>
           <ac:spMkLst>
             <pc:docMk/>
             <pc:sldMk cId="3221126859" sldId="256"/>
@@ -272,23 +360,119 @@
           </ac:spMkLst>
         </pc:spChg>
         <pc:spChg chg="add mod">
-          <ac:chgData name="Ivan Rubinov" userId="5a4744fe-eb10-4d5d-85e2-0c367af3d7e8" providerId="ADAL" clId="{6045DBA1-895C-4253-9FBC-E7926F538110}" dt="2023-12-07T23:02:00.798" v="395" actId="1076"/>
+          <ac:chgData name="Ivan Rubinov" userId="5a4744fe-eb10-4d5d-85e2-0c367af3d7e8" providerId="ADAL" clId="{6045DBA1-895C-4253-9FBC-E7926F538110}" dt="2023-12-14T11:04:55.860" v="942" actId="1076"/>
           <ac:spMkLst>
             <pc:docMk/>
             <pc:sldMk cId="3221126859" sldId="256"/>
             <ac:spMk id="31" creationId="{855EB15A-702E-CEAF-5724-0EFA2249A6A2}"/>
           </ac:spMkLst>
         </pc:spChg>
-        <pc:cxnChg chg="add mod">
-          <ac:chgData name="Ivan Rubinov" userId="5a4744fe-eb10-4d5d-85e2-0c367af3d7e8" providerId="ADAL" clId="{6045DBA1-895C-4253-9FBC-E7926F538110}" dt="2023-12-07T22:55:34.428" v="296" actId="478"/>
+        <pc:spChg chg="add mod">
+          <ac:chgData name="Ivan Rubinov" userId="5a4744fe-eb10-4d5d-85e2-0c367af3d7e8" providerId="ADAL" clId="{6045DBA1-895C-4253-9FBC-E7926F538110}" dt="2023-12-14T11:06:43.143" v="955" actId="692"/>
+          <ac:spMkLst>
+            <pc:docMk/>
+            <pc:sldMk cId="3221126859" sldId="256"/>
+            <ac:spMk id="32" creationId="{D7CCBA19-BC96-BCB1-222E-839000CB4456}"/>
+          </ac:spMkLst>
+        </pc:spChg>
+        <pc:spChg chg="add mod">
+          <ac:chgData name="Ivan Rubinov" userId="5a4744fe-eb10-4d5d-85e2-0c367af3d7e8" providerId="ADAL" clId="{6045DBA1-895C-4253-9FBC-E7926F538110}" dt="2023-12-14T11:06:43.143" v="955" actId="692"/>
+          <ac:spMkLst>
+            <pc:docMk/>
+            <pc:sldMk cId="3221126859" sldId="256"/>
+            <ac:spMk id="33" creationId="{A9AFE7D0-D2D4-542C-114B-7357BE3754DD}"/>
+          </ac:spMkLst>
+        </pc:spChg>
+        <pc:spChg chg="add mod">
+          <ac:chgData name="Ivan Rubinov" userId="5a4744fe-eb10-4d5d-85e2-0c367af3d7e8" providerId="ADAL" clId="{6045DBA1-895C-4253-9FBC-E7926F538110}" dt="2023-12-14T11:15:13.105" v="1247" actId="1076"/>
+          <ac:spMkLst>
+            <pc:docMk/>
+            <pc:sldMk cId="3221126859" sldId="256"/>
+            <ac:spMk id="35" creationId="{658AB2DF-2A47-F5CF-DF84-5068DAA3DC55}"/>
+          </ac:spMkLst>
+        </pc:spChg>
+        <pc:spChg chg="add mod">
+          <ac:chgData name="Ivan Rubinov" userId="5a4744fe-eb10-4d5d-85e2-0c367af3d7e8" providerId="ADAL" clId="{6045DBA1-895C-4253-9FBC-E7926F538110}" dt="2023-12-14T11:15:13.105" v="1247" actId="1076"/>
+          <ac:spMkLst>
+            <pc:docMk/>
+            <pc:sldMk cId="3221126859" sldId="256"/>
+            <ac:spMk id="36" creationId="{D6BAF204-6365-8449-7E8E-577CCDBDE257}"/>
+          </ac:spMkLst>
+        </pc:spChg>
+        <pc:spChg chg="add mod">
+          <ac:chgData name="Ivan Rubinov" userId="5a4744fe-eb10-4d5d-85e2-0c367af3d7e8" providerId="ADAL" clId="{6045DBA1-895C-4253-9FBC-E7926F538110}" dt="2023-12-14T11:15:58.193" v="1262" actId="14100"/>
+          <ac:spMkLst>
+            <pc:docMk/>
+            <pc:sldMk cId="3221126859" sldId="256"/>
+            <ac:spMk id="37" creationId="{98385ECB-707B-7647-1C3B-59C4AF98B54D}"/>
+          </ac:spMkLst>
+        </pc:spChg>
+        <pc:spChg chg="add mod">
+          <ac:chgData name="Ivan Rubinov" userId="5a4744fe-eb10-4d5d-85e2-0c367af3d7e8" providerId="ADAL" clId="{6045DBA1-895C-4253-9FBC-E7926F538110}" dt="2023-12-14T11:15:50.595" v="1260" actId="14100"/>
+          <ac:spMkLst>
+            <pc:docMk/>
+            <pc:sldMk cId="3221126859" sldId="256"/>
+            <ac:spMk id="38" creationId="{890282FE-20F1-4026-D063-0C2B108E828A}"/>
+          </ac:spMkLst>
+        </pc:spChg>
+        <pc:spChg chg="add mod">
+          <ac:chgData name="Ivan Rubinov" userId="5a4744fe-eb10-4d5d-85e2-0c367af3d7e8" providerId="ADAL" clId="{6045DBA1-895C-4253-9FBC-E7926F538110}" dt="2023-12-14T11:16:02.547" v="1263" actId="14100"/>
+          <ac:spMkLst>
+            <pc:docMk/>
+            <pc:sldMk cId="3221126859" sldId="256"/>
+            <ac:spMk id="39" creationId="{3D07E7D6-84C5-09F7-1136-A28789BE201B}"/>
+          </ac:spMkLst>
+        </pc:spChg>
+        <pc:spChg chg="add mod">
+          <ac:chgData name="Ivan Rubinov" userId="5a4744fe-eb10-4d5d-85e2-0c367af3d7e8" providerId="ADAL" clId="{6045DBA1-895C-4253-9FBC-E7926F538110}" dt="2023-12-14T11:17:40.047" v="1285" actId="14100"/>
+          <ac:spMkLst>
+            <pc:docMk/>
+            <pc:sldMk cId="3221126859" sldId="256"/>
+            <ac:spMk id="40" creationId="{8168342E-DEFA-CEA8-13A3-E2F328567EB4}"/>
+          </ac:spMkLst>
+        </pc:spChg>
+        <pc:spChg chg="add mod">
+          <ac:chgData name="Ivan Rubinov" userId="5a4744fe-eb10-4d5d-85e2-0c367af3d7e8" providerId="ADAL" clId="{6045DBA1-895C-4253-9FBC-E7926F538110}" dt="2023-12-14T11:07:20.512" v="989" actId="20577"/>
+          <ac:spMkLst>
+            <pc:docMk/>
+            <pc:sldMk cId="3221126859" sldId="256"/>
+            <ac:spMk id="87" creationId="{F8564B36-ABDA-4F3F-28B9-BEB735B3E158}"/>
+          </ac:spMkLst>
+        </pc:spChg>
+        <pc:spChg chg="add mod">
+          <ac:chgData name="Ivan Rubinov" userId="5a4744fe-eb10-4d5d-85e2-0c367af3d7e8" providerId="ADAL" clId="{6045DBA1-895C-4253-9FBC-E7926F538110}" dt="2023-12-14T11:08:00.255" v="1031" actId="20577"/>
+          <ac:spMkLst>
+            <pc:docMk/>
+            <pc:sldMk cId="3221126859" sldId="256"/>
+            <ac:spMk id="88" creationId="{85CBA6EE-2D3A-A0D0-822E-10E3DB3C3458}"/>
+          </ac:spMkLst>
+        </pc:spChg>
+        <pc:spChg chg="add mod">
+          <ac:chgData name="Ivan Rubinov" userId="5a4744fe-eb10-4d5d-85e2-0c367af3d7e8" providerId="ADAL" clId="{6045DBA1-895C-4253-9FBC-E7926F538110}" dt="2023-12-14T11:08:11.378" v="1038" actId="20577"/>
+          <ac:spMkLst>
+            <pc:docMk/>
+            <pc:sldMk cId="3221126859" sldId="256"/>
+            <ac:spMk id="89" creationId="{5E3674EB-45FC-D668-1AB1-DAF803BBB5DB}"/>
+          </ac:spMkLst>
+        </pc:spChg>
+        <pc:spChg chg="add mod">
+          <ac:chgData name="Ivan Rubinov" userId="5a4744fe-eb10-4d5d-85e2-0c367af3d7e8" providerId="ADAL" clId="{6045DBA1-895C-4253-9FBC-E7926F538110}" dt="2023-12-14T11:09:15.731" v="1079" actId="20577"/>
+          <ac:spMkLst>
+            <pc:docMk/>
+            <pc:sldMk cId="3221126859" sldId="256"/>
+            <ac:spMk id="90" creationId="{E5CC1828-FDA4-1FA7-FB82-7A534B26203B}"/>
+          </ac:spMkLst>
+        </pc:spChg>
+        <pc:cxnChg chg="add del mod">
+          <ac:chgData name="Ivan Rubinov" userId="5a4744fe-eb10-4d5d-85e2-0c367af3d7e8" providerId="ADAL" clId="{6045DBA1-895C-4253-9FBC-E7926F538110}" dt="2023-12-14T11:14:14.203" v="1235" actId="21"/>
           <ac:cxnSpMkLst>
             <pc:docMk/>
             <pc:sldMk cId="3221126859" sldId="256"/>
             <ac:cxnSpMk id="8" creationId="{2406A44C-C241-4241-1083-F8BFAEFF0E9E}"/>
           </ac:cxnSpMkLst>
         </pc:cxnChg>
-        <pc:cxnChg chg="add mod">
-          <ac:chgData name="Ivan Rubinov" userId="5a4744fe-eb10-4d5d-85e2-0c367af3d7e8" providerId="ADAL" clId="{6045DBA1-895C-4253-9FBC-E7926F538110}" dt="2023-12-07T22:54:33.563" v="284" actId="1076"/>
+        <pc:cxnChg chg="add del mod">
+          <ac:chgData name="Ivan Rubinov" userId="5a4744fe-eb10-4d5d-85e2-0c367af3d7e8" providerId="ADAL" clId="{6045DBA1-895C-4253-9FBC-E7926F538110}" dt="2023-12-14T11:10:32.541" v="1091" actId="478"/>
           <ac:cxnSpMkLst>
             <pc:docMk/>
             <pc:sldMk cId="3221126859" sldId="256"/>
@@ -296,15 +480,23 @@
           </ac:cxnSpMkLst>
         </pc:cxnChg>
         <pc:cxnChg chg="add mod">
-          <ac:chgData name="Ivan Rubinov" userId="5a4744fe-eb10-4d5d-85e2-0c367af3d7e8" providerId="ADAL" clId="{6045DBA1-895C-4253-9FBC-E7926F538110}" dt="2023-12-07T22:54:24.633" v="282" actId="14100"/>
+          <ac:chgData name="Ivan Rubinov" userId="5a4744fe-eb10-4d5d-85e2-0c367af3d7e8" providerId="ADAL" clId="{6045DBA1-895C-4253-9FBC-E7926F538110}" dt="2023-12-14T10:59:29.271" v="845" actId="1076"/>
+          <ac:cxnSpMkLst>
+            <pc:docMk/>
+            <pc:sldMk cId="3221126859" sldId="256"/>
+            <ac:cxnSpMk id="13" creationId="{7DA66BB5-DB4D-CEB1-F1CB-51F8CE8D99D5}"/>
+          </ac:cxnSpMkLst>
+        </pc:cxnChg>
+        <pc:cxnChg chg="add mod">
+          <ac:chgData name="Ivan Rubinov" userId="5a4744fe-eb10-4d5d-85e2-0c367af3d7e8" providerId="ADAL" clId="{6045DBA1-895C-4253-9FBC-E7926F538110}" dt="2023-12-14T11:17:06.041" v="1281" actId="14100"/>
           <ac:cxnSpMkLst>
             <pc:docMk/>
             <pc:sldMk cId="3221126859" sldId="256"/>
             <ac:cxnSpMk id="14" creationId="{1CCEE0E4-CD8A-6341-CED6-11619217BA95}"/>
           </ac:cxnSpMkLst>
         </pc:cxnChg>
-        <pc:cxnChg chg="add mod">
-          <ac:chgData name="Ivan Rubinov" userId="5a4744fe-eb10-4d5d-85e2-0c367af3d7e8" providerId="ADAL" clId="{6045DBA1-895C-4253-9FBC-E7926F538110}" dt="2023-12-07T22:54:35.893" v="285" actId="1076"/>
+        <pc:cxnChg chg="add del mod">
+          <ac:chgData name="Ivan Rubinov" userId="5a4744fe-eb10-4d5d-85e2-0c367af3d7e8" providerId="ADAL" clId="{6045DBA1-895C-4253-9FBC-E7926F538110}" dt="2023-12-14T11:10:31.393" v="1090" actId="478"/>
           <ac:cxnSpMkLst>
             <pc:docMk/>
             <pc:sldMk cId="3221126859" sldId="256"/>
@@ -312,11 +504,339 @@
           </ac:cxnSpMkLst>
         </pc:cxnChg>
         <pc:cxnChg chg="add mod">
-          <ac:chgData name="Ivan Rubinov" userId="5a4744fe-eb10-4d5d-85e2-0c367af3d7e8" providerId="ADAL" clId="{6045DBA1-895C-4253-9FBC-E7926F538110}" dt="2023-12-07T22:57:29.611" v="322" actId="1076"/>
+          <ac:chgData name="Ivan Rubinov" userId="5a4744fe-eb10-4d5d-85e2-0c367af3d7e8" providerId="ADAL" clId="{6045DBA1-895C-4253-9FBC-E7926F538110}" dt="2023-12-14T11:00:57.808" v="871" actId="14100"/>
           <ac:cxnSpMkLst>
             <pc:docMk/>
             <pc:sldMk cId="3221126859" sldId="256"/>
             <ac:cxnSpMk id="18" creationId="{8AE34943-6DBF-3598-6FFE-82B536EDFE21}"/>
+          </ac:cxnSpMkLst>
+        </pc:cxnChg>
+        <pc:cxnChg chg="add del mod">
+          <ac:chgData name="Ivan Rubinov" userId="5a4744fe-eb10-4d5d-85e2-0c367af3d7e8" providerId="ADAL" clId="{6045DBA1-895C-4253-9FBC-E7926F538110}" dt="2023-12-14T10:59:31.856" v="846" actId="21"/>
+          <ac:cxnSpMkLst>
+            <pc:docMk/>
+            <pc:sldMk cId="3221126859" sldId="256"/>
+            <ac:cxnSpMk id="42" creationId="{3614B19D-41E8-DE3D-0268-310EAFE72D8F}"/>
+          </ac:cxnSpMkLst>
+        </pc:cxnChg>
+        <pc:cxnChg chg="add mod">
+          <ac:chgData name="Ivan Rubinov" userId="5a4744fe-eb10-4d5d-85e2-0c367af3d7e8" providerId="ADAL" clId="{6045DBA1-895C-4253-9FBC-E7926F538110}" dt="2023-12-14T10:59:12.744" v="843" actId="692"/>
+          <ac:cxnSpMkLst>
+            <pc:docMk/>
+            <pc:sldMk cId="3221126859" sldId="256"/>
+            <ac:cxnSpMk id="47" creationId="{566322BE-B944-F329-CFB2-544BB17EC4BD}"/>
+          </ac:cxnSpMkLst>
+        </pc:cxnChg>
+        <pc:cxnChg chg="add mod">
+          <ac:chgData name="Ivan Rubinov" userId="5a4744fe-eb10-4d5d-85e2-0c367af3d7e8" providerId="ADAL" clId="{6045DBA1-895C-4253-9FBC-E7926F538110}" dt="2023-12-14T11:01:05.364" v="874" actId="1037"/>
+          <ac:cxnSpMkLst>
+            <pc:docMk/>
+            <pc:sldMk cId="3221126859" sldId="256"/>
+            <ac:cxnSpMk id="48" creationId="{0E2230A1-D56E-6EE8-318B-2D3C76AC1BC2}"/>
+          </ac:cxnSpMkLst>
+        </pc:cxnChg>
+        <pc:cxnChg chg="add mod">
+          <ac:chgData name="Ivan Rubinov" userId="5a4744fe-eb10-4d5d-85e2-0c367af3d7e8" providerId="ADAL" clId="{6045DBA1-895C-4253-9FBC-E7926F538110}" dt="2023-12-14T11:00:37.579" v="869" actId="1076"/>
+          <ac:cxnSpMkLst>
+            <pc:docMk/>
+            <pc:sldMk cId="3221126859" sldId="256"/>
+            <ac:cxnSpMk id="49" creationId="{1E482BC4-D460-F10A-C4B8-884B41846AED}"/>
+          </ac:cxnSpMkLst>
+        </pc:cxnChg>
+        <pc:cxnChg chg="add mod">
+          <ac:chgData name="Ivan Rubinov" userId="5a4744fe-eb10-4d5d-85e2-0c367af3d7e8" providerId="ADAL" clId="{6045DBA1-895C-4253-9FBC-E7926F538110}" dt="2023-12-14T10:59:36.840" v="848" actId="1076"/>
+          <ac:cxnSpMkLst>
+            <pc:docMk/>
+            <pc:sldMk cId="3221126859" sldId="256"/>
+            <ac:cxnSpMk id="51" creationId="{08D7C439-C293-CEB8-AABE-5C0A3B6C15FB}"/>
+          </ac:cxnSpMkLst>
+        </pc:cxnChg>
+        <pc:cxnChg chg="add mod">
+          <ac:chgData name="Ivan Rubinov" userId="5a4744fe-eb10-4d5d-85e2-0c367af3d7e8" providerId="ADAL" clId="{6045DBA1-895C-4253-9FBC-E7926F538110}" dt="2023-12-14T10:59:53.181" v="854" actId="1076"/>
+          <ac:cxnSpMkLst>
+            <pc:docMk/>
+            <pc:sldMk cId="3221126859" sldId="256"/>
+            <ac:cxnSpMk id="52" creationId="{5F7D20D9-BCF6-1FBF-716B-88086972CC3F}"/>
+          </ac:cxnSpMkLst>
+        </pc:cxnChg>
+        <pc:cxnChg chg="add mod">
+          <ac:chgData name="Ivan Rubinov" userId="5a4744fe-eb10-4d5d-85e2-0c367af3d7e8" providerId="ADAL" clId="{6045DBA1-895C-4253-9FBC-E7926F538110}" dt="2023-12-14T10:59:53.181" v="854" actId="1076"/>
+          <ac:cxnSpMkLst>
+            <pc:docMk/>
+            <pc:sldMk cId="3221126859" sldId="256"/>
+            <ac:cxnSpMk id="53" creationId="{BF025F72-C480-549E-DF76-209E2F0711BB}"/>
+          </ac:cxnSpMkLst>
+        </pc:cxnChg>
+        <pc:cxnChg chg="add mod">
+          <ac:chgData name="Ivan Rubinov" userId="5a4744fe-eb10-4d5d-85e2-0c367af3d7e8" providerId="ADAL" clId="{6045DBA1-895C-4253-9FBC-E7926F538110}" dt="2023-12-14T11:00:25.876" v="867" actId="1036"/>
+          <ac:cxnSpMkLst>
+            <pc:docMk/>
+            <pc:sldMk cId="3221126859" sldId="256"/>
+            <ac:cxnSpMk id="54" creationId="{48D71D07-FD55-451B-3534-AA45BF5C300C}"/>
+          </ac:cxnSpMkLst>
+        </pc:cxnChg>
+        <pc:cxnChg chg="add mod">
+          <ac:chgData name="Ivan Rubinov" userId="5a4744fe-eb10-4d5d-85e2-0c367af3d7e8" providerId="ADAL" clId="{6045DBA1-895C-4253-9FBC-E7926F538110}" dt="2023-12-14T11:00:25.876" v="867" actId="1036"/>
+          <ac:cxnSpMkLst>
+            <pc:docMk/>
+            <pc:sldMk cId="3221126859" sldId="256"/>
+            <ac:cxnSpMk id="55" creationId="{C247E312-4EBF-F2EF-839E-E10F77CA348D}"/>
+          </ac:cxnSpMkLst>
+        </pc:cxnChg>
+        <pc:cxnChg chg="add mod">
+          <ac:chgData name="Ivan Rubinov" userId="5a4744fe-eb10-4d5d-85e2-0c367af3d7e8" providerId="ADAL" clId="{6045DBA1-895C-4253-9FBC-E7926F538110}" dt="2023-12-14T11:00:37.579" v="869" actId="1076"/>
+          <ac:cxnSpMkLst>
+            <pc:docMk/>
+            <pc:sldMk cId="3221126859" sldId="256"/>
+            <ac:cxnSpMk id="56" creationId="{D053B387-8401-A4D5-0D2B-BDF24F0C32B8}"/>
+          </ac:cxnSpMkLst>
+        </pc:cxnChg>
+        <pc:cxnChg chg="add mod">
+          <ac:chgData name="Ivan Rubinov" userId="5a4744fe-eb10-4d5d-85e2-0c367af3d7e8" providerId="ADAL" clId="{6045DBA1-895C-4253-9FBC-E7926F538110}" dt="2023-12-14T11:00:37.579" v="869" actId="1076"/>
+          <ac:cxnSpMkLst>
+            <pc:docMk/>
+            <pc:sldMk cId="3221126859" sldId="256"/>
+            <ac:cxnSpMk id="57" creationId="{54105FB8-65B6-42D3-283F-5A9BDA4317B0}"/>
+          </ac:cxnSpMkLst>
+        </pc:cxnChg>
+        <pc:cxnChg chg="add mod">
+          <ac:chgData name="Ivan Rubinov" userId="5a4744fe-eb10-4d5d-85e2-0c367af3d7e8" providerId="ADAL" clId="{6045DBA1-895C-4253-9FBC-E7926F538110}" dt="2023-12-14T11:01:20.315" v="876" actId="1076"/>
+          <ac:cxnSpMkLst>
+            <pc:docMk/>
+            <pc:sldMk cId="3221126859" sldId="256"/>
+            <ac:cxnSpMk id="59" creationId="{F94BD614-7F83-4ADE-25F2-12AA9F9A453B}"/>
+          </ac:cxnSpMkLst>
+        </pc:cxnChg>
+        <pc:cxnChg chg="add mod">
+          <ac:chgData name="Ivan Rubinov" userId="5a4744fe-eb10-4d5d-85e2-0c367af3d7e8" providerId="ADAL" clId="{6045DBA1-895C-4253-9FBC-E7926F538110}" dt="2023-12-14T11:02:39.782" v="905" actId="14100"/>
+          <ac:cxnSpMkLst>
+            <pc:docMk/>
+            <pc:sldMk cId="3221126859" sldId="256"/>
+            <ac:cxnSpMk id="60" creationId="{49FDE94B-DE54-A8AA-AE95-09D36935AA1E}"/>
+          </ac:cxnSpMkLst>
+        </pc:cxnChg>
+        <pc:cxnChg chg="add mod">
+          <ac:chgData name="Ivan Rubinov" userId="5a4744fe-eb10-4d5d-85e2-0c367af3d7e8" providerId="ADAL" clId="{6045DBA1-895C-4253-9FBC-E7926F538110}" dt="2023-12-14T11:02:28.361" v="900" actId="1035"/>
+          <ac:cxnSpMkLst>
+            <pc:docMk/>
+            <pc:sldMk cId="3221126859" sldId="256"/>
+            <ac:cxnSpMk id="61" creationId="{5545FBDF-BC11-5D6E-8BC8-1129FC0260AB}"/>
+          </ac:cxnSpMkLst>
+        </pc:cxnChg>
+        <pc:cxnChg chg="add mod">
+          <ac:chgData name="Ivan Rubinov" userId="5a4744fe-eb10-4d5d-85e2-0c367af3d7e8" providerId="ADAL" clId="{6045DBA1-895C-4253-9FBC-E7926F538110}" dt="2023-12-14T11:02:31.340" v="903" actId="1035"/>
+          <ac:cxnSpMkLst>
+            <pc:docMk/>
+            <pc:sldMk cId="3221126859" sldId="256"/>
+            <ac:cxnSpMk id="62" creationId="{3EC4D791-79D5-816C-B463-7CE11AEA1A7D}"/>
+          </ac:cxnSpMkLst>
+        </pc:cxnChg>
+        <pc:cxnChg chg="add mod">
+          <ac:chgData name="Ivan Rubinov" userId="5a4744fe-eb10-4d5d-85e2-0c367af3d7e8" providerId="ADAL" clId="{6045DBA1-895C-4253-9FBC-E7926F538110}" dt="2023-12-14T11:02:13.001" v="891" actId="1038"/>
+          <ac:cxnSpMkLst>
+            <pc:docMk/>
+            <pc:sldMk cId="3221126859" sldId="256"/>
+            <ac:cxnSpMk id="63" creationId="{684414F8-FD59-F36C-2021-FE2F1B32A6A2}"/>
+          </ac:cxnSpMkLst>
+        </pc:cxnChg>
+        <pc:cxnChg chg="add mod">
+          <ac:chgData name="Ivan Rubinov" userId="5a4744fe-eb10-4d5d-85e2-0c367af3d7e8" providerId="ADAL" clId="{6045DBA1-895C-4253-9FBC-E7926F538110}" dt="2023-12-14T11:15:13.105" v="1247" actId="1076"/>
+          <ac:cxnSpMkLst>
+            <pc:docMk/>
+            <pc:sldMk cId="3221126859" sldId="256"/>
+            <ac:cxnSpMk id="66" creationId="{96F6F04D-D5DC-68CA-6D5D-97B9F342DE95}"/>
+          </ac:cxnSpMkLst>
+        </pc:cxnChg>
+        <pc:cxnChg chg="add mod">
+          <ac:chgData name="Ivan Rubinov" userId="5a4744fe-eb10-4d5d-85e2-0c367af3d7e8" providerId="ADAL" clId="{6045DBA1-895C-4253-9FBC-E7926F538110}" dt="2023-12-14T11:15:13.105" v="1247" actId="1076"/>
+          <ac:cxnSpMkLst>
+            <pc:docMk/>
+            <pc:sldMk cId="3221126859" sldId="256"/>
+            <ac:cxnSpMk id="67" creationId="{0A5EE755-C9D3-909A-C0E4-D61FF9594579}"/>
+          </ac:cxnSpMkLst>
+        </pc:cxnChg>
+        <pc:cxnChg chg="add mod">
+          <ac:chgData name="Ivan Rubinov" userId="5a4744fe-eb10-4d5d-85e2-0c367af3d7e8" providerId="ADAL" clId="{6045DBA1-895C-4253-9FBC-E7926F538110}" dt="2023-12-14T11:15:13.105" v="1247" actId="1076"/>
+          <ac:cxnSpMkLst>
+            <pc:docMk/>
+            <pc:sldMk cId="3221126859" sldId="256"/>
+            <ac:cxnSpMk id="68" creationId="{9CC6F342-D54D-AE26-26D8-6599524CA7D7}"/>
+          </ac:cxnSpMkLst>
+        </pc:cxnChg>
+        <pc:cxnChg chg="add mod">
+          <ac:chgData name="Ivan Rubinov" userId="5a4744fe-eb10-4d5d-85e2-0c367af3d7e8" providerId="ADAL" clId="{6045DBA1-895C-4253-9FBC-E7926F538110}" dt="2023-12-14T11:15:13.105" v="1247" actId="1076"/>
+          <ac:cxnSpMkLst>
+            <pc:docMk/>
+            <pc:sldMk cId="3221126859" sldId="256"/>
+            <ac:cxnSpMk id="69" creationId="{71187D40-E179-0D04-3BA3-FD29755D7BC0}"/>
+          </ac:cxnSpMkLst>
+        </pc:cxnChg>
+        <pc:cxnChg chg="add mod">
+          <ac:chgData name="Ivan Rubinov" userId="5a4744fe-eb10-4d5d-85e2-0c367af3d7e8" providerId="ADAL" clId="{6045DBA1-895C-4253-9FBC-E7926F538110}" dt="2023-12-14T11:15:13.105" v="1247" actId="1076"/>
+          <ac:cxnSpMkLst>
+            <pc:docMk/>
+            <pc:sldMk cId="3221126859" sldId="256"/>
+            <ac:cxnSpMk id="71" creationId="{C0EF3316-8D1B-5744-01EA-87F921362045}"/>
+          </ac:cxnSpMkLst>
+        </pc:cxnChg>
+        <pc:cxnChg chg="add mod">
+          <ac:chgData name="Ivan Rubinov" userId="5a4744fe-eb10-4d5d-85e2-0c367af3d7e8" providerId="ADAL" clId="{6045DBA1-895C-4253-9FBC-E7926F538110}" dt="2023-12-14T11:15:13.105" v="1247" actId="1076"/>
+          <ac:cxnSpMkLst>
+            <pc:docMk/>
+            <pc:sldMk cId="3221126859" sldId="256"/>
+            <ac:cxnSpMk id="72" creationId="{031D88B1-98AF-553E-4002-BDDE431E7766}"/>
+          </ac:cxnSpMkLst>
+        </pc:cxnChg>
+        <pc:cxnChg chg="add mod">
+          <ac:chgData name="Ivan Rubinov" userId="5a4744fe-eb10-4d5d-85e2-0c367af3d7e8" providerId="ADAL" clId="{6045DBA1-895C-4253-9FBC-E7926F538110}" dt="2023-12-14T11:15:13.105" v="1247" actId="1076"/>
+          <ac:cxnSpMkLst>
+            <pc:docMk/>
+            <pc:sldMk cId="3221126859" sldId="256"/>
+            <ac:cxnSpMk id="73" creationId="{D6064227-A090-2ADD-75AC-706436F60682}"/>
+          </ac:cxnSpMkLst>
+        </pc:cxnChg>
+        <pc:cxnChg chg="add mod">
+          <ac:chgData name="Ivan Rubinov" userId="5a4744fe-eb10-4d5d-85e2-0c367af3d7e8" providerId="ADAL" clId="{6045DBA1-895C-4253-9FBC-E7926F538110}" dt="2023-12-14T11:04:36.610" v="936" actId="1035"/>
+          <ac:cxnSpMkLst>
+            <pc:docMk/>
+            <pc:sldMk cId="3221126859" sldId="256"/>
+            <ac:cxnSpMk id="74" creationId="{D05F1D6E-A7E2-270F-5C41-7EF5DE00A77A}"/>
+          </ac:cxnSpMkLst>
+        </pc:cxnChg>
+        <pc:cxnChg chg="add mod">
+          <ac:chgData name="Ivan Rubinov" userId="5a4744fe-eb10-4d5d-85e2-0c367af3d7e8" providerId="ADAL" clId="{6045DBA1-895C-4253-9FBC-E7926F538110}" dt="2023-12-14T11:04:36.610" v="936" actId="1035"/>
+          <ac:cxnSpMkLst>
+            <pc:docMk/>
+            <pc:sldMk cId="3221126859" sldId="256"/>
+            <ac:cxnSpMk id="75" creationId="{4FC9EF2C-C611-89CF-5CA5-EE01528F06A2}"/>
+          </ac:cxnSpMkLst>
+        </pc:cxnChg>
+        <pc:cxnChg chg="add mod">
+          <ac:chgData name="Ivan Rubinov" userId="5a4744fe-eb10-4d5d-85e2-0c367af3d7e8" providerId="ADAL" clId="{6045DBA1-895C-4253-9FBC-E7926F538110}" dt="2023-12-14T11:04:36.610" v="936" actId="1035"/>
+          <ac:cxnSpMkLst>
+            <pc:docMk/>
+            <pc:sldMk cId="3221126859" sldId="256"/>
+            <ac:cxnSpMk id="76" creationId="{B3CDB687-0419-214F-72B8-828304FA8A5A}"/>
+          </ac:cxnSpMkLst>
+        </pc:cxnChg>
+        <pc:cxnChg chg="add mod">
+          <ac:chgData name="Ivan Rubinov" userId="5a4744fe-eb10-4d5d-85e2-0c367af3d7e8" providerId="ADAL" clId="{6045DBA1-895C-4253-9FBC-E7926F538110}" dt="2023-12-14T11:04:36.610" v="936" actId="1035"/>
+          <ac:cxnSpMkLst>
+            <pc:docMk/>
+            <pc:sldMk cId="3221126859" sldId="256"/>
+            <ac:cxnSpMk id="77" creationId="{2C979B31-2612-33B7-3F13-E013FD518BD7}"/>
+          </ac:cxnSpMkLst>
+        </pc:cxnChg>
+        <pc:cxnChg chg="add mod">
+          <ac:chgData name="Ivan Rubinov" userId="5a4744fe-eb10-4d5d-85e2-0c367af3d7e8" providerId="ADAL" clId="{6045DBA1-895C-4253-9FBC-E7926F538110}" dt="2023-12-14T11:04:36.610" v="936" actId="1035"/>
+          <ac:cxnSpMkLst>
+            <pc:docMk/>
+            <pc:sldMk cId="3221126859" sldId="256"/>
+            <ac:cxnSpMk id="78" creationId="{45BB57D0-710F-71CB-3950-186D89C44C78}"/>
+          </ac:cxnSpMkLst>
+        </pc:cxnChg>
+        <pc:cxnChg chg="add mod">
+          <ac:chgData name="Ivan Rubinov" userId="5a4744fe-eb10-4d5d-85e2-0c367af3d7e8" providerId="ADAL" clId="{6045DBA1-895C-4253-9FBC-E7926F538110}" dt="2023-12-14T11:04:36.610" v="936" actId="1035"/>
+          <ac:cxnSpMkLst>
+            <pc:docMk/>
+            <pc:sldMk cId="3221126859" sldId="256"/>
+            <ac:cxnSpMk id="79" creationId="{579152B3-7385-9F1D-EF5F-8AC894D3ADF9}"/>
+          </ac:cxnSpMkLst>
+        </pc:cxnChg>
+        <pc:cxnChg chg="add mod">
+          <ac:chgData name="Ivan Rubinov" userId="5a4744fe-eb10-4d5d-85e2-0c367af3d7e8" providerId="ADAL" clId="{6045DBA1-895C-4253-9FBC-E7926F538110}" dt="2023-12-14T11:04:36.610" v="936" actId="1035"/>
+          <ac:cxnSpMkLst>
+            <pc:docMk/>
+            <pc:sldMk cId="3221126859" sldId="256"/>
+            <ac:cxnSpMk id="80" creationId="{93127509-344D-55A5-76C1-90EE205E1216}"/>
+          </ac:cxnSpMkLst>
+        </pc:cxnChg>
+        <pc:cxnChg chg="add mod">
+          <ac:chgData name="Ivan Rubinov" userId="5a4744fe-eb10-4d5d-85e2-0c367af3d7e8" providerId="ADAL" clId="{6045DBA1-895C-4253-9FBC-E7926F538110}" dt="2023-12-14T11:04:36.610" v="936" actId="1035"/>
+          <ac:cxnSpMkLst>
+            <pc:docMk/>
+            <pc:sldMk cId="3221126859" sldId="256"/>
+            <ac:cxnSpMk id="81" creationId="{CAAB620C-3E37-A9CB-2216-B1F643A6C019}"/>
+          </ac:cxnSpMkLst>
+        </pc:cxnChg>
+        <pc:cxnChg chg="add mod">
+          <ac:chgData name="Ivan Rubinov" userId="5a4744fe-eb10-4d5d-85e2-0c367af3d7e8" providerId="ADAL" clId="{6045DBA1-895C-4253-9FBC-E7926F538110}" dt="2023-12-14T11:04:36.610" v="936" actId="1035"/>
+          <ac:cxnSpMkLst>
+            <pc:docMk/>
+            <pc:sldMk cId="3221126859" sldId="256"/>
+            <ac:cxnSpMk id="82" creationId="{D77F81ED-2DFA-45E8-2754-77731205D2DA}"/>
+          </ac:cxnSpMkLst>
+        </pc:cxnChg>
+        <pc:cxnChg chg="add mod">
+          <ac:chgData name="Ivan Rubinov" userId="5a4744fe-eb10-4d5d-85e2-0c367af3d7e8" providerId="ADAL" clId="{6045DBA1-895C-4253-9FBC-E7926F538110}" dt="2023-12-14T11:04:36.610" v="936" actId="1035"/>
+          <ac:cxnSpMkLst>
+            <pc:docMk/>
+            <pc:sldMk cId="3221126859" sldId="256"/>
+            <ac:cxnSpMk id="83" creationId="{4AF444CE-AAA3-A7A2-C212-77C4D6AC7C96}"/>
+          </ac:cxnSpMkLst>
+        </pc:cxnChg>
+        <pc:cxnChg chg="add mod">
+          <ac:chgData name="Ivan Rubinov" userId="5a4744fe-eb10-4d5d-85e2-0c367af3d7e8" providerId="ADAL" clId="{6045DBA1-895C-4253-9FBC-E7926F538110}" dt="2023-12-14T11:04:36.610" v="936" actId="1035"/>
+          <ac:cxnSpMkLst>
+            <pc:docMk/>
+            <pc:sldMk cId="3221126859" sldId="256"/>
+            <ac:cxnSpMk id="84" creationId="{BF056AA4-70DC-A9C2-68D8-509D487A38D0}"/>
+          </ac:cxnSpMkLst>
+        </pc:cxnChg>
+        <pc:cxnChg chg="add mod">
+          <ac:chgData name="Ivan Rubinov" userId="5a4744fe-eb10-4d5d-85e2-0c367af3d7e8" providerId="ADAL" clId="{6045DBA1-895C-4253-9FBC-E7926F538110}" dt="2023-12-14T11:04:36.610" v="936" actId="1035"/>
+          <ac:cxnSpMkLst>
+            <pc:docMk/>
+            <pc:sldMk cId="3221126859" sldId="256"/>
+            <ac:cxnSpMk id="85" creationId="{260D6A45-5101-0427-1ED6-C5F7909BE2CF}"/>
+          </ac:cxnSpMkLst>
+        </pc:cxnChg>
+        <pc:cxnChg chg="add mod">
+          <ac:chgData name="Ivan Rubinov" userId="5a4744fe-eb10-4d5d-85e2-0c367af3d7e8" providerId="ADAL" clId="{6045DBA1-895C-4253-9FBC-E7926F538110}" dt="2023-12-14T11:05:26.723" v="952" actId="1076"/>
+          <ac:cxnSpMkLst>
+            <pc:docMk/>
+            <pc:sldMk cId="3221126859" sldId="256"/>
+            <ac:cxnSpMk id="86" creationId="{3FD644C5-D927-5BAB-2622-E6E26C361897}"/>
+          </ac:cxnSpMkLst>
+        </pc:cxnChg>
+        <pc:cxnChg chg="add del mod">
+          <ac:chgData name="Ivan Rubinov" userId="5a4744fe-eb10-4d5d-85e2-0c367af3d7e8" providerId="ADAL" clId="{6045DBA1-895C-4253-9FBC-E7926F538110}" dt="2023-12-14T11:14:10.497" v="1234" actId="478"/>
+          <ac:cxnSpMkLst>
+            <pc:docMk/>
+            <pc:sldMk cId="3221126859" sldId="256"/>
+            <ac:cxnSpMk id="94" creationId="{4BE86E10-711A-0705-7C0A-9FBFE0261D1D}"/>
+          </ac:cxnSpMkLst>
+        </pc:cxnChg>
+        <pc:cxnChg chg="add mod">
+          <ac:chgData name="Ivan Rubinov" userId="5a4744fe-eb10-4d5d-85e2-0c367af3d7e8" providerId="ADAL" clId="{6045DBA1-895C-4253-9FBC-E7926F538110}" dt="2023-12-14T11:17:25.811" v="1284" actId="1035"/>
+          <ac:cxnSpMkLst>
+            <pc:docMk/>
+            <pc:sldMk cId="3221126859" sldId="256"/>
+            <ac:cxnSpMk id="95" creationId="{D6248599-2995-5D21-F28D-0B788F08F47D}"/>
+          </ac:cxnSpMkLst>
+        </pc:cxnChg>
+        <pc:cxnChg chg="add mod">
+          <ac:chgData name="Ivan Rubinov" userId="5a4744fe-eb10-4d5d-85e2-0c367af3d7e8" providerId="ADAL" clId="{6045DBA1-895C-4253-9FBC-E7926F538110}" dt="2023-12-14T11:16:54.291" v="1280" actId="14100"/>
+          <ac:cxnSpMkLst>
+            <pc:docMk/>
+            <pc:sldMk cId="3221126859" sldId="256"/>
+            <ac:cxnSpMk id="96" creationId="{6BBF0880-4268-CA59-D100-5765E8A91ADC}"/>
+          </ac:cxnSpMkLst>
+        </pc:cxnChg>
+        <pc:cxnChg chg="add mod">
+          <ac:chgData name="Ivan Rubinov" userId="5a4744fe-eb10-4d5d-85e2-0c367af3d7e8" providerId="ADAL" clId="{6045DBA1-895C-4253-9FBC-E7926F538110}" dt="2023-12-14T11:14:14.492" v="1236"/>
+          <ac:cxnSpMkLst>
+            <pc:docMk/>
+            <pc:sldMk cId="3221126859" sldId="256"/>
+            <ac:cxnSpMk id="103" creationId="{F4E2A83F-845F-2D8F-EB70-5957F0D24C57}"/>
+          </ac:cxnSpMkLst>
+        </pc:cxnChg>
+        <pc:cxnChg chg="add mod">
+          <ac:chgData name="Ivan Rubinov" userId="5a4744fe-eb10-4d5d-85e2-0c367af3d7e8" providerId="ADAL" clId="{6045DBA1-895C-4253-9FBC-E7926F538110}" dt="2023-12-14T11:15:28.763" v="1258" actId="1076"/>
+          <ac:cxnSpMkLst>
+            <pc:docMk/>
+            <pc:sldMk cId="3221126859" sldId="256"/>
+            <ac:cxnSpMk id="104" creationId="{121ECF99-522B-66AB-BF42-0970A68874FB}"/>
           </ac:cxnSpMkLst>
         </pc:cxnChg>
       </pc:sldChg>
@@ -472,7 +992,7 @@
           <a:p>
             <a:fld id="{A9DA4248-D91C-4DA0-8FBF-ED03DAA5BC98}" type="datetimeFigureOut">
               <a:rPr lang="en-US" smtClean="0"/>
-              <a:t>12/7/2023</a:t>
+              <a:t>12/14/2023</a:t>
             </a:fld>
             <a:endParaRPr lang="en-US"/>
           </a:p>
@@ -670,7 +1190,7 @@
           <a:p>
             <a:fld id="{A9DA4248-D91C-4DA0-8FBF-ED03DAA5BC98}" type="datetimeFigureOut">
               <a:rPr lang="en-US" smtClean="0"/>
-              <a:t>12/7/2023</a:t>
+              <a:t>12/14/2023</a:t>
             </a:fld>
             <a:endParaRPr lang="en-US"/>
           </a:p>
@@ -878,7 +1398,7 @@
           <a:p>
             <a:fld id="{A9DA4248-D91C-4DA0-8FBF-ED03DAA5BC98}" type="datetimeFigureOut">
               <a:rPr lang="en-US" smtClean="0"/>
-              <a:t>12/7/2023</a:t>
+              <a:t>12/14/2023</a:t>
             </a:fld>
             <a:endParaRPr lang="en-US"/>
           </a:p>
@@ -1076,7 +1596,7 @@
           <a:p>
             <a:fld id="{A9DA4248-D91C-4DA0-8FBF-ED03DAA5BC98}" type="datetimeFigureOut">
               <a:rPr lang="en-US" smtClean="0"/>
-              <a:t>12/7/2023</a:t>
+              <a:t>12/14/2023</a:t>
             </a:fld>
             <a:endParaRPr lang="en-US"/>
           </a:p>
@@ -1351,7 +1871,7 @@
           <a:p>
             <a:fld id="{A9DA4248-D91C-4DA0-8FBF-ED03DAA5BC98}" type="datetimeFigureOut">
               <a:rPr lang="en-US" smtClean="0"/>
-              <a:t>12/7/2023</a:t>
+              <a:t>12/14/2023</a:t>
             </a:fld>
             <a:endParaRPr lang="en-US"/>
           </a:p>
@@ -1616,7 +2136,7 @@
           <a:p>
             <a:fld id="{A9DA4248-D91C-4DA0-8FBF-ED03DAA5BC98}" type="datetimeFigureOut">
               <a:rPr lang="en-US" smtClean="0"/>
-              <a:t>12/7/2023</a:t>
+              <a:t>12/14/2023</a:t>
             </a:fld>
             <a:endParaRPr lang="en-US"/>
           </a:p>
@@ -2028,7 +2548,7 @@
           <a:p>
             <a:fld id="{A9DA4248-D91C-4DA0-8FBF-ED03DAA5BC98}" type="datetimeFigureOut">
               <a:rPr lang="en-US" smtClean="0"/>
-              <a:t>12/7/2023</a:t>
+              <a:t>12/14/2023</a:t>
             </a:fld>
             <a:endParaRPr lang="en-US"/>
           </a:p>
@@ -2169,7 +2689,7 @@
           <a:p>
             <a:fld id="{A9DA4248-D91C-4DA0-8FBF-ED03DAA5BC98}" type="datetimeFigureOut">
               <a:rPr lang="en-US" smtClean="0"/>
-              <a:t>12/7/2023</a:t>
+              <a:t>12/14/2023</a:t>
             </a:fld>
             <a:endParaRPr lang="en-US"/>
           </a:p>
@@ -2282,7 +2802,7 @@
           <a:p>
             <a:fld id="{A9DA4248-D91C-4DA0-8FBF-ED03DAA5BC98}" type="datetimeFigureOut">
               <a:rPr lang="en-US" smtClean="0"/>
-              <a:t>12/7/2023</a:t>
+              <a:t>12/14/2023</a:t>
             </a:fld>
             <a:endParaRPr lang="en-US"/>
           </a:p>
@@ -2593,7 +3113,7 @@
           <a:p>
             <a:fld id="{A9DA4248-D91C-4DA0-8FBF-ED03DAA5BC98}" type="datetimeFigureOut">
               <a:rPr lang="en-US" smtClean="0"/>
-              <a:t>12/7/2023</a:t>
+              <a:t>12/14/2023</a:t>
             </a:fld>
             <a:endParaRPr lang="en-US"/>
           </a:p>
@@ -2881,7 +3401,7 @@
           <a:p>
             <a:fld id="{A9DA4248-D91C-4DA0-8FBF-ED03DAA5BC98}" type="datetimeFigureOut">
               <a:rPr lang="en-US" smtClean="0"/>
-              <a:t>12/7/2023</a:t>
+              <a:t>12/14/2023</a:t>
             </a:fld>
             <a:endParaRPr lang="en-US"/>
           </a:p>
@@ -3122,7 +3642,7 @@
           <a:p>
             <a:fld id="{A9DA4248-D91C-4DA0-8FBF-ED03DAA5BC98}" type="datetimeFigureOut">
               <a:rPr lang="en-US" smtClean="0"/>
-              <a:t>12/7/2023</a:t>
+              <a:t>12/14/2023</a:t>
             </a:fld>
             <a:endParaRPr lang="en-US"/>
           </a:p>
@@ -3539,68 +4059,12 @@
           <a:chExt cx="0" cy="0"/>
         </a:xfrm>
       </p:grpSpPr>
-      <p:sp>
-        <p:nvSpPr>
-          <p:cNvPr id="4" name="Rectangle 3">
-            <a:extLst>
-              <a:ext uri="{FF2B5EF4-FFF2-40B4-BE49-F238E27FC236}">
-                <a16:creationId xmlns:a16="http://schemas.microsoft.com/office/drawing/2014/main" id="{64EA876B-290D-26BA-83B2-CCB991192BEE}"/>
-              </a:ext>
-            </a:extLst>
-          </p:cNvPr>
-          <p:cNvSpPr/>
-          <p:nvPr/>
-        </p:nvSpPr>
-        <p:spPr>
-          <a:xfrm>
-            <a:off x="4575486" y="197361"/>
-            <a:ext cx="1992092" cy="914400"/>
-          </a:xfrm>
-          <a:prstGeom prst="rect">
-            <a:avLst/>
-          </a:prstGeom>
-          <a:ln/>
-        </p:spPr>
-        <p:style>
-          <a:lnRef idx="2">
-            <a:schemeClr val="dk1"/>
-          </a:lnRef>
-          <a:fillRef idx="1">
-            <a:schemeClr val="lt1"/>
-          </a:fillRef>
-          <a:effectRef idx="0">
-            <a:schemeClr val="dk1"/>
-          </a:effectRef>
-          <a:fontRef idx="minor">
-            <a:schemeClr val="dk1"/>
-          </a:fontRef>
-        </p:style>
-        <p:txBody>
-          <a:bodyPr rtlCol="0" anchor="ctr"/>
-          <a:lstStyle/>
-          <a:p>
-            <a:pPr algn="ctr"/>
-            <a:r>
-              <a:rPr lang="en-GB" dirty="0"/>
-              <a:t>Main module (entry point)</a:t>
-            </a:r>
-          </a:p>
-          <a:p>
-            <a:pPr algn="ctr"/>
-            <a:r>
-              <a:rPr lang="en-GB" dirty="0"/>
-              <a:t>ASE1.ipynb</a:t>
-            </a:r>
-            <a:endParaRPr lang="en-US" dirty="0"/>
-          </a:p>
-        </p:txBody>
-      </p:sp>
       <p:cxnSp>
         <p:nvCxnSpPr>
-          <p:cNvPr id="8" name="Connector: Elbow 7">
-            <a:extLst>
-              <a:ext uri="{FF2B5EF4-FFF2-40B4-BE49-F238E27FC236}">
-                <a16:creationId xmlns:a16="http://schemas.microsoft.com/office/drawing/2014/main" id="{2406A44C-C241-4241-1083-F8BFAEFF0E9E}"/>
+          <p:cNvPr id="14" name="Connector: Elbow 13">
+            <a:extLst>
+              <a:ext uri="{FF2B5EF4-FFF2-40B4-BE49-F238E27FC236}">
+                <a16:creationId xmlns:a16="http://schemas.microsoft.com/office/drawing/2014/main" id="{1CCEE0E4-CD8A-6341-CED6-11619217BA95}"/>
               </a:ext>
             </a:extLst>
           </p:cNvPr>
@@ -3610,137 +4074,19 @@
           <p:nvPr/>
         </p:nvCxnSpPr>
         <p:spPr>
-          <a:xfrm rot="10800000" flipV="1">
-            <a:off x="1771348" y="1200220"/>
-            <a:ext cx="3680604" cy="432000"/>
-          </a:xfrm>
-          <a:prstGeom prst="bentConnector2">
-            <a:avLst/>
+          <a:xfrm rot="5400000">
+            <a:off x="4122459" y="1075533"/>
+            <a:ext cx="324000" cy="0"/>
+          </a:xfrm>
+          <a:prstGeom prst="bentConnector3">
+            <a:avLst>
+              <a:gd name="adj1" fmla="val 50000"/>
+            </a:avLst>
           </a:prstGeom>
           <a:ln>
-            <a:tailEnd type="triangle"/>
-          </a:ln>
-        </p:spPr>
-        <p:style>
-          <a:lnRef idx="1">
-            <a:schemeClr val="accent1"/>
-          </a:lnRef>
-          <a:fillRef idx="0">
-            <a:schemeClr val="accent1"/>
-          </a:fillRef>
-          <a:effectRef idx="0">
-            <a:schemeClr val="accent1"/>
-          </a:effectRef>
-          <a:fontRef idx="minor">
-            <a:schemeClr val="tx1"/>
-          </a:fontRef>
-        </p:style>
-      </p:cxnSp>
-      <p:cxnSp>
-        <p:nvCxnSpPr>
-          <p:cNvPr id="10" name="Connector: Elbow 9">
-            <a:extLst>
-              <a:ext uri="{FF2B5EF4-FFF2-40B4-BE49-F238E27FC236}">
-                <a16:creationId xmlns:a16="http://schemas.microsoft.com/office/drawing/2014/main" id="{1A65C21B-3684-CA50-8045-AD5EC43D62DA}"/>
-              </a:ext>
-            </a:extLst>
-          </p:cNvPr>
-          <p:cNvCxnSpPr>
-            <a:cxnSpLocks/>
-          </p:cNvCxnSpPr>
-          <p:nvPr/>
-        </p:nvCxnSpPr>
-        <p:spPr>
-          <a:xfrm>
-            <a:off x="6084987" y="1200219"/>
-            <a:ext cx="4553615" cy="432000"/>
-          </a:xfrm>
-          <a:prstGeom prst="bentConnector2">
-            <a:avLst/>
-          </a:prstGeom>
-          <a:ln>
-            <a:tailEnd type="triangle"/>
-          </a:ln>
-        </p:spPr>
-        <p:style>
-          <a:lnRef idx="1">
-            <a:schemeClr val="accent1"/>
-          </a:lnRef>
-          <a:fillRef idx="0">
-            <a:schemeClr val="accent1"/>
-          </a:fillRef>
-          <a:effectRef idx="0">
-            <a:schemeClr val="accent1"/>
-          </a:effectRef>
-          <a:fontRef idx="minor">
-            <a:schemeClr val="tx1"/>
-          </a:fontRef>
-        </p:style>
-      </p:cxnSp>
-      <p:cxnSp>
-        <p:nvCxnSpPr>
-          <p:cNvPr id="14" name="Connector: Elbow 13">
-            <a:extLst>
-              <a:ext uri="{FF2B5EF4-FFF2-40B4-BE49-F238E27FC236}">
-                <a16:creationId xmlns:a16="http://schemas.microsoft.com/office/drawing/2014/main" id="{1CCEE0E4-CD8A-6341-CED6-11619217BA95}"/>
-              </a:ext>
-            </a:extLst>
-          </p:cNvPr>
-          <p:cNvCxnSpPr>
-            <a:cxnSpLocks/>
-          </p:cNvCxnSpPr>
-          <p:nvPr/>
-        </p:nvCxnSpPr>
-        <p:spPr>
-          <a:xfrm rot="10800000" flipV="1">
-            <a:off x="4292572" y="1200220"/>
-            <a:ext cx="1548000" cy="432000"/>
-          </a:xfrm>
-          <a:prstGeom prst="bentConnector2">
-            <a:avLst/>
-          </a:prstGeom>
-          <a:ln>
-            <a:tailEnd type="triangle"/>
-          </a:ln>
-        </p:spPr>
-        <p:style>
-          <a:lnRef idx="1">
-            <a:schemeClr val="accent1"/>
-          </a:lnRef>
-          <a:fillRef idx="0">
-            <a:schemeClr val="accent1"/>
-          </a:fillRef>
-          <a:effectRef idx="0">
-            <a:schemeClr val="accent1"/>
-          </a:effectRef>
-          <a:fontRef idx="minor">
-            <a:schemeClr val="tx1"/>
-          </a:fontRef>
-        </p:style>
-      </p:cxnSp>
-      <p:cxnSp>
-        <p:nvCxnSpPr>
-          <p:cNvPr id="16" name="Connector: Elbow 15">
-            <a:extLst>
-              <a:ext uri="{FF2B5EF4-FFF2-40B4-BE49-F238E27FC236}">
-                <a16:creationId xmlns:a16="http://schemas.microsoft.com/office/drawing/2014/main" id="{D5B5D76D-9A3A-A751-F467-4220CD1D2CEE}"/>
-              </a:ext>
-            </a:extLst>
-          </p:cNvPr>
-          <p:cNvCxnSpPr>
-            <a:cxnSpLocks/>
-          </p:cNvCxnSpPr>
-          <p:nvPr/>
-        </p:nvCxnSpPr>
-        <p:spPr>
-          <a:xfrm>
-            <a:off x="6447999" y="1200219"/>
-            <a:ext cx="1800000" cy="432000"/>
-          </a:xfrm>
-          <a:prstGeom prst="bentConnector2">
-            <a:avLst/>
-          </a:prstGeom>
-          <a:ln>
+            <a:solidFill>
+              <a:schemeClr val="tx1"/>
+            </a:solidFill>
             <a:tailEnd type="triangle"/>
           </a:ln>
         </p:spPr>
@@ -3775,12 +4121,17 @@
         </p:nvCxnSpPr>
         <p:spPr>
           <a:xfrm>
-            <a:off x="1380226" y="2555247"/>
-            <a:ext cx="0" cy="2491206"/>
+            <a:off x="552090" y="1701130"/>
+            <a:ext cx="0" cy="3805092"/>
           </a:xfrm>
           <a:prstGeom prst="line">
             <a:avLst/>
           </a:prstGeom>
+          <a:ln w="12700">
+            <a:solidFill>
+              <a:schemeClr val="tx1"/>
+            </a:solidFill>
+          </a:ln>
         </p:spPr>
         <p:style>
           <a:lnRef idx="1">
@@ -3811,8 +4162,8 @@
         </p:nvSpPr>
         <p:spPr>
           <a:xfrm>
-            <a:off x="744776" y="1632220"/>
-            <a:ext cx="2053143" cy="914400"/>
+            <a:off x="319951" y="1216840"/>
+            <a:ext cx="1550834" cy="484290"/>
           </a:xfrm>
           <a:prstGeom prst="roundRect">
             <a:avLst/>
@@ -3839,17 +4190,17 @@
           <a:p>
             <a:pPr algn="ctr"/>
             <a:r>
-              <a:rPr lang="en-GB"/>
+              <a:rPr lang="en-GB" sz="1200" dirty="0"/>
               <a:t>Menu module</a:t>
             </a:r>
           </a:p>
           <a:p>
             <a:pPr algn="ctr"/>
             <a:r>
-              <a:rPr lang="en-GB"/>
-              <a:t>menu_module.py</a:t>
-            </a:r>
-            <a:endParaRPr lang="en-US">
+              <a:rPr lang="en-GB" sz="1200" dirty="0"/>
+              <a:t>(menu_module.py)</a:t>
+            </a:r>
+            <a:endParaRPr lang="en-US" sz="1200" dirty="0">
               <a:solidFill>
                 <a:schemeClr val="dk1"/>
               </a:solidFill>
@@ -3871,8 +4222,8 @@
         </p:nvSpPr>
         <p:spPr>
           <a:xfrm>
-            <a:off x="3283014" y="1632219"/>
-            <a:ext cx="2255144" cy="914400"/>
+            <a:off x="3539102" y="1257805"/>
+            <a:ext cx="1626965" cy="484290"/>
           </a:xfrm>
           <a:prstGeom prst="roundRect">
             <a:avLst/>
@@ -3899,17 +4250,17 @@
           <a:p>
             <a:pPr algn="ctr"/>
             <a:r>
-              <a:rPr lang="en-GB" dirty="0"/>
+              <a:rPr lang="en-GB" sz="1200" dirty="0"/>
               <a:t>Retrieve module</a:t>
             </a:r>
           </a:p>
           <a:p>
             <a:pPr algn="ctr"/>
             <a:r>
-              <a:rPr lang="en-GB" dirty="0"/>
-              <a:t>retrieve_module.py</a:t>
-            </a:r>
-            <a:endParaRPr lang="en-US" dirty="0"/>
+              <a:rPr lang="en-GB" sz="1200" dirty="0"/>
+              <a:t>(retrieve_module.py)</a:t>
+            </a:r>
+            <a:endParaRPr lang="en-US" sz="1200" dirty="0"/>
           </a:p>
         </p:txBody>
       </p:sp>
@@ -3927,8 +4278,8 @@
         </p:nvSpPr>
         <p:spPr>
           <a:xfrm>
-            <a:off x="6567579" y="1640847"/>
-            <a:ext cx="2333388" cy="914400"/>
+            <a:off x="9174221" y="1306028"/>
+            <a:ext cx="1683414" cy="484290"/>
           </a:xfrm>
           <a:prstGeom prst="roundRect">
             <a:avLst/>
@@ -3955,17 +4306,17 @@
           <a:p>
             <a:pPr algn="ctr"/>
             <a:r>
-              <a:rPr lang="en-GB" dirty="0"/>
+              <a:rPr lang="en-GB" sz="1200" dirty="0"/>
               <a:t>Analytics module</a:t>
             </a:r>
           </a:p>
           <a:p>
             <a:pPr algn="ctr"/>
             <a:r>
-              <a:rPr lang="en-GB" dirty="0"/>
-              <a:t>analytics_module.py</a:t>
-            </a:r>
-            <a:endParaRPr lang="en-US" dirty="0"/>
+              <a:rPr lang="en-GB" sz="1200" dirty="0"/>
+              <a:t>(analytics_module.py)</a:t>
+            </a:r>
+            <a:endParaRPr lang="en-US" sz="1200" dirty="0"/>
           </a:p>
         </p:txBody>
       </p:sp>
@@ -3983,8 +4334,8 @@
         </p:nvSpPr>
         <p:spPr>
           <a:xfrm>
-            <a:off x="7166844" y="2906329"/>
-            <a:ext cx="2598810" cy="914400"/>
+            <a:off x="6062868" y="1831119"/>
+            <a:ext cx="1874902" cy="484290"/>
           </a:xfrm>
           <a:prstGeom prst="roundRect">
             <a:avLst/>
@@ -4011,17 +4362,17 @@
           <a:p>
             <a:pPr algn="ctr"/>
             <a:r>
-              <a:rPr lang="en-GB" dirty="0"/>
-              <a:t>Work with lists</a:t>
+              <a:rPr lang="en-GB" sz="1200" dirty="0"/>
+              <a:t>Filter by keys module</a:t>
             </a:r>
           </a:p>
           <a:p>
             <a:pPr algn="ctr"/>
             <a:r>
-              <a:rPr lang="en-GB" dirty="0"/>
-              <a:t>key_match_module.py</a:t>
-            </a:r>
-            <a:endParaRPr lang="en-US" dirty="0"/>
+              <a:rPr lang="en-GB" sz="1200" dirty="0"/>
+              <a:t>(key_match_module.py)</a:t>
+            </a:r>
+            <a:endParaRPr lang="en-US" sz="1200" dirty="0"/>
           </a:p>
         </p:txBody>
       </p:sp>
@@ -4039,8 +4390,8 @@
         </p:nvSpPr>
         <p:spPr>
           <a:xfrm>
-            <a:off x="1639049" y="2753284"/>
-            <a:ext cx="1940914" cy="675716"/>
+            <a:off x="838245" y="1856461"/>
+            <a:ext cx="1400265" cy="432002"/>
           </a:xfrm>
           <a:prstGeom prst="roundRect">
             <a:avLst/>
@@ -4067,21 +4418,21 @@
           <a:p>
             <a:pPr algn="ctr"/>
             <a:r>
-              <a:rPr lang="en-GB" dirty="0"/>
+              <a:rPr lang="en-GB" sz="1200" dirty="0"/>
               <a:t>Function</a:t>
             </a:r>
           </a:p>
           <a:p>
             <a:pPr algn="ctr"/>
             <a:r>
-              <a:rPr lang="en-GB" dirty="0" err="1"/>
+              <a:rPr lang="en-GB" sz="1200" dirty="0" err="1"/>
               <a:t>input_file_path</a:t>
             </a:r>
             <a:r>
-              <a:rPr lang="en-GB" dirty="0"/>
+              <a:rPr lang="en-GB" sz="1200" dirty="0"/>
               <a:t>()</a:t>
             </a:r>
-            <a:endParaRPr lang="en-US" dirty="0">
+            <a:endParaRPr lang="en-US" sz="1200" dirty="0">
               <a:solidFill>
                 <a:schemeClr val="dk1"/>
               </a:solidFill>
@@ -4103,8 +4454,8 @@
         </p:nvSpPr>
         <p:spPr>
           <a:xfrm>
-            <a:off x="1670736" y="3635666"/>
-            <a:ext cx="1940914" cy="675716"/>
+            <a:off x="835742" y="3022733"/>
+            <a:ext cx="1365014" cy="432001"/>
           </a:xfrm>
           <a:prstGeom prst="roundRect">
             <a:avLst/>
@@ -4131,21 +4482,21 @@
           <a:p>
             <a:pPr algn="ctr"/>
             <a:r>
-              <a:rPr lang="en-GB" dirty="0"/>
+              <a:rPr lang="en-GB" sz="1200" dirty="0"/>
               <a:t>Function</a:t>
             </a:r>
           </a:p>
           <a:p>
             <a:pPr algn="ctr"/>
             <a:r>
-              <a:rPr lang="en-GB" dirty="0" err="1"/>
+              <a:rPr lang="en-GB" sz="1200" dirty="0" err="1"/>
               <a:t>input_choice</a:t>
             </a:r>
             <a:r>
-              <a:rPr lang="en-GB" dirty="0"/>
+              <a:rPr lang="en-GB" sz="1200" dirty="0"/>
               <a:t>()</a:t>
             </a:r>
-            <a:endParaRPr lang="en-US" dirty="0">
+            <a:endParaRPr lang="en-US" sz="1200" dirty="0">
               <a:solidFill>
                 <a:schemeClr val="dk1"/>
               </a:solidFill>
@@ -4167,8 +4518,8 @@
         </p:nvSpPr>
         <p:spPr>
           <a:xfrm>
-            <a:off x="1639049" y="4550064"/>
-            <a:ext cx="1940914" cy="675716"/>
+            <a:off x="869559" y="4119788"/>
+            <a:ext cx="1400265" cy="432002"/>
           </a:xfrm>
           <a:prstGeom prst="roundRect">
             <a:avLst/>
@@ -4195,21 +4546,21 @@
           <a:p>
             <a:pPr algn="ctr"/>
             <a:r>
-              <a:rPr lang="en-GB" dirty="0"/>
+              <a:rPr lang="en-GB" sz="1200" dirty="0"/>
               <a:t>Function</a:t>
             </a:r>
           </a:p>
           <a:p>
             <a:pPr algn="ctr"/>
             <a:r>
-              <a:rPr lang="en-GB" dirty="0" err="1"/>
+              <a:rPr lang="en-GB" sz="1200" dirty="0" err="1"/>
               <a:t>input_value</a:t>
             </a:r>
             <a:r>
-              <a:rPr lang="en-GB" dirty="0"/>
+              <a:rPr lang="en-GB" sz="1200" dirty="0"/>
               <a:t>()</a:t>
             </a:r>
-            <a:endParaRPr lang="en-US" dirty="0">
+            <a:endParaRPr lang="en-US" sz="1200" dirty="0">
               <a:solidFill>
                 <a:schemeClr val="dk1"/>
               </a:solidFill>
@@ -4231,8 +4582,8 @@
         </p:nvSpPr>
         <p:spPr>
           <a:xfrm>
-            <a:off x="1713868" y="5464462"/>
-            <a:ext cx="2255143" cy="675716"/>
+            <a:off x="833766" y="5290221"/>
+            <a:ext cx="1514681" cy="432002"/>
           </a:xfrm>
           <a:prstGeom prst="roundRect">
             <a:avLst/>
@@ -4259,21 +4610,21 @@
           <a:p>
             <a:pPr algn="ctr"/>
             <a:r>
-              <a:rPr lang="en-GB" dirty="0"/>
+              <a:rPr lang="en-GB" sz="1200" dirty="0"/>
               <a:t>Function</a:t>
             </a:r>
           </a:p>
           <a:p>
             <a:pPr algn="ctr"/>
             <a:r>
-              <a:rPr lang="en-GB" dirty="0" err="1"/>
+              <a:rPr lang="en-GB" sz="1200" dirty="0" err="1"/>
               <a:t>input_value_range</a:t>
             </a:r>
             <a:r>
-              <a:rPr lang="en-GB" dirty="0"/>
+              <a:rPr lang="en-GB" sz="1200" dirty="0"/>
               <a:t>()</a:t>
             </a:r>
-            <a:endParaRPr lang="en-US" dirty="0">
+            <a:endParaRPr lang="en-US" sz="1200" dirty="0">
               <a:solidFill>
                 <a:schemeClr val="dk1"/>
               </a:solidFill>
@@ -4295,8 +4646,8 @@
         </p:nvSpPr>
         <p:spPr>
           <a:xfrm>
-            <a:off x="4144073" y="2753284"/>
-            <a:ext cx="1940914" cy="675716"/>
+            <a:off x="4015306" y="1923457"/>
+            <a:ext cx="827956" cy="432002"/>
           </a:xfrm>
           <a:prstGeom prst="roundRect">
             <a:avLst/>
@@ -4323,17 +4674,17 @@
           <a:p>
             <a:pPr algn="ctr"/>
             <a:r>
-              <a:rPr lang="en-GB" dirty="0"/>
+              <a:rPr lang="en-GB" sz="1200" dirty="0"/>
               <a:t>Function</a:t>
             </a:r>
           </a:p>
           <a:p>
             <a:pPr algn="ctr"/>
             <a:r>
-              <a:rPr lang="en-GB" dirty="0"/>
+              <a:rPr lang="en-GB" sz="1200" dirty="0"/>
               <a:t>retrieve()</a:t>
             </a:r>
-            <a:endParaRPr lang="en-US" dirty="0">
+            <a:endParaRPr lang="en-US" sz="1200" dirty="0">
               <a:solidFill>
                 <a:schemeClr val="dk1"/>
               </a:solidFill>
@@ -4355,8 +4706,8 @@
         </p:nvSpPr>
         <p:spPr>
           <a:xfrm>
-            <a:off x="7391337" y="4053644"/>
-            <a:ext cx="1940914" cy="675716"/>
+            <a:off x="9644774" y="1960556"/>
+            <a:ext cx="1153624" cy="432002"/>
           </a:xfrm>
           <a:prstGeom prst="roundRect">
             <a:avLst/>
@@ -4383,21 +4734,21 @@
           <a:p>
             <a:pPr algn="ctr"/>
             <a:r>
-              <a:rPr lang="en-GB" dirty="0"/>
+              <a:rPr lang="en-GB" sz="1200" dirty="0"/>
               <a:t>Function</a:t>
             </a:r>
           </a:p>
           <a:p>
             <a:pPr algn="ctr"/>
             <a:r>
-              <a:rPr lang="en-GB" dirty="0" err="1"/>
-              <a:t>analytics_panda</a:t>
-            </a:r>
-            <a:r>
-              <a:rPr lang="en-GB" dirty="0"/>
+              <a:rPr lang="en-GB" sz="1200" dirty="0" err="1"/>
+              <a:t>top_features</a:t>
+            </a:r>
+            <a:r>
+              <a:rPr lang="en-GB" sz="1200" dirty="0"/>
               <a:t>()</a:t>
             </a:r>
-            <a:endParaRPr lang="en-US" dirty="0">
+            <a:endParaRPr lang="en-US" sz="1200" dirty="0">
               <a:solidFill>
                 <a:schemeClr val="dk1"/>
               </a:solidFill>
@@ -4405,6 +4756,2919 @@
           </a:p>
         </p:txBody>
       </p:sp>
+      <p:sp>
+        <p:nvSpPr>
+          <p:cNvPr id="3" name="Rectangle: Rounded Corners 2">
+            <a:extLst>
+              <a:ext uri="{FF2B5EF4-FFF2-40B4-BE49-F238E27FC236}">
+                <a16:creationId xmlns:a16="http://schemas.microsoft.com/office/drawing/2014/main" id="{6DA4EACE-B5A7-F6C1-F986-12CFF6920964}"/>
+              </a:ext>
+            </a:extLst>
+          </p:cNvPr>
+          <p:cNvSpPr/>
+          <p:nvPr/>
+        </p:nvSpPr>
+        <p:spPr>
+          <a:xfrm>
+            <a:off x="4814000" y="118787"/>
+            <a:ext cx="2053143" cy="482119"/>
+          </a:xfrm>
+          <a:prstGeom prst="roundRect">
+            <a:avLst/>
+          </a:prstGeom>
+          <a:ln/>
+        </p:spPr>
+        <p:style>
+          <a:lnRef idx="2">
+            <a:schemeClr val="dk1"/>
+          </a:lnRef>
+          <a:fillRef idx="1">
+            <a:schemeClr val="lt1"/>
+          </a:fillRef>
+          <a:effectRef idx="0">
+            <a:schemeClr val="dk1"/>
+          </a:effectRef>
+          <a:fontRef idx="minor">
+            <a:schemeClr val="dk1"/>
+          </a:fontRef>
+        </p:style>
+        <p:txBody>
+          <a:bodyPr rtlCol="0" anchor="ctr"/>
+          <a:lstStyle/>
+          <a:p>
+            <a:pPr algn="ctr"/>
+            <a:r>
+              <a:rPr lang="en-US" sz="1200" dirty="0"/>
+              <a:t>Main module entry point</a:t>
+            </a:r>
+          </a:p>
+          <a:p>
+            <a:pPr algn="ctr"/>
+            <a:r>
+              <a:rPr lang="en-US" sz="1200" dirty="0"/>
+              <a:t>(</a:t>
+            </a:r>
+            <a:r>
+              <a:rPr lang="en-US" sz="1200" dirty="0" err="1"/>
+              <a:t>main_file.ipynb</a:t>
+            </a:r>
+            <a:r>
+              <a:rPr lang="en-US" sz="1200" dirty="0"/>
+              <a:t>)</a:t>
+            </a:r>
+          </a:p>
+        </p:txBody>
+      </p:sp>
+      <p:sp>
+        <p:nvSpPr>
+          <p:cNvPr id="5" name="Rectangle: Rounded Corners 4">
+            <a:extLst>
+              <a:ext uri="{FF2B5EF4-FFF2-40B4-BE49-F238E27FC236}">
+                <a16:creationId xmlns:a16="http://schemas.microsoft.com/office/drawing/2014/main" id="{D81F9074-81A5-52B9-F636-520AAD24A069}"/>
+              </a:ext>
+            </a:extLst>
+          </p:cNvPr>
+          <p:cNvSpPr/>
+          <p:nvPr/>
+        </p:nvSpPr>
+        <p:spPr>
+          <a:xfrm>
+            <a:off x="9655927" y="3127793"/>
+            <a:ext cx="1347044" cy="432002"/>
+          </a:xfrm>
+          <a:prstGeom prst="roundRect">
+            <a:avLst/>
+          </a:prstGeom>
+          <a:ln/>
+        </p:spPr>
+        <p:style>
+          <a:lnRef idx="2">
+            <a:schemeClr val="dk1"/>
+          </a:lnRef>
+          <a:fillRef idx="1">
+            <a:schemeClr val="lt1"/>
+          </a:fillRef>
+          <a:effectRef idx="0">
+            <a:schemeClr val="dk1"/>
+          </a:effectRef>
+          <a:fontRef idx="minor">
+            <a:schemeClr val="dk1"/>
+          </a:fontRef>
+        </p:style>
+        <p:txBody>
+          <a:bodyPr rtlCol="0" anchor="ctr"/>
+          <a:lstStyle/>
+          <a:p>
+            <a:pPr algn="ctr"/>
+            <a:r>
+              <a:rPr lang="en-GB" sz="1200" dirty="0"/>
+              <a:t>Function</a:t>
+            </a:r>
+          </a:p>
+          <a:p>
+            <a:pPr algn="ctr"/>
+            <a:r>
+              <a:rPr lang="en-GB" sz="1200" dirty="0" err="1"/>
+              <a:t>avg_group_two</a:t>
+            </a:r>
+            <a:r>
+              <a:rPr lang="en-GB" sz="1200" dirty="0"/>
+              <a:t>()</a:t>
+            </a:r>
+            <a:endParaRPr lang="en-US" sz="1200" dirty="0">
+              <a:solidFill>
+                <a:schemeClr val="dk1"/>
+              </a:solidFill>
+            </a:endParaRPr>
+          </a:p>
+        </p:txBody>
+      </p:sp>
+      <p:sp>
+        <p:nvSpPr>
+          <p:cNvPr id="6" name="Rectangle: Rounded Corners 5">
+            <a:extLst>
+              <a:ext uri="{FF2B5EF4-FFF2-40B4-BE49-F238E27FC236}">
+                <a16:creationId xmlns:a16="http://schemas.microsoft.com/office/drawing/2014/main" id="{54A02FD1-9314-8E51-F24B-C2953F11D52A}"/>
+              </a:ext>
+            </a:extLst>
+          </p:cNvPr>
+          <p:cNvSpPr/>
+          <p:nvPr/>
+        </p:nvSpPr>
+        <p:spPr>
+          <a:xfrm>
+            <a:off x="9655928" y="4205826"/>
+            <a:ext cx="1347044" cy="432002"/>
+          </a:xfrm>
+          <a:prstGeom prst="roundRect">
+            <a:avLst/>
+          </a:prstGeom>
+          <a:ln/>
+        </p:spPr>
+        <p:style>
+          <a:lnRef idx="2">
+            <a:schemeClr val="dk1"/>
+          </a:lnRef>
+          <a:fillRef idx="1">
+            <a:schemeClr val="lt1"/>
+          </a:fillRef>
+          <a:effectRef idx="0">
+            <a:schemeClr val="dk1"/>
+          </a:effectRef>
+          <a:fontRef idx="minor">
+            <a:schemeClr val="dk1"/>
+          </a:fontRef>
+        </p:style>
+        <p:txBody>
+          <a:bodyPr rtlCol="0" anchor="ctr"/>
+          <a:lstStyle/>
+          <a:p>
+            <a:pPr algn="ctr"/>
+            <a:r>
+              <a:rPr lang="en-GB" sz="1200" dirty="0"/>
+              <a:t>Function</a:t>
+            </a:r>
+          </a:p>
+          <a:p>
+            <a:pPr algn="ctr"/>
+            <a:r>
+              <a:rPr lang="en-GB" sz="1200" dirty="0" err="1"/>
+              <a:t>avg_group_one</a:t>
+            </a:r>
+            <a:r>
+              <a:rPr lang="en-GB" sz="1200" dirty="0"/>
+              <a:t>()</a:t>
+            </a:r>
+            <a:endParaRPr lang="en-US" sz="1200" dirty="0">
+              <a:solidFill>
+                <a:schemeClr val="dk1"/>
+              </a:solidFill>
+            </a:endParaRPr>
+          </a:p>
+        </p:txBody>
+      </p:sp>
+      <p:sp>
+        <p:nvSpPr>
+          <p:cNvPr id="7" name="Rectangle: Rounded Corners 6">
+            <a:extLst>
+              <a:ext uri="{FF2B5EF4-FFF2-40B4-BE49-F238E27FC236}">
+                <a16:creationId xmlns:a16="http://schemas.microsoft.com/office/drawing/2014/main" id="{D7EA5122-7E94-5F9A-5A18-C3385050FF3E}"/>
+              </a:ext>
+            </a:extLst>
+          </p:cNvPr>
+          <p:cNvSpPr/>
+          <p:nvPr/>
+        </p:nvSpPr>
+        <p:spPr>
+          <a:xfrm>
+            <a:off x="9655927" y="5416466"/>
+            <a:ext cx="1514681" cy="432002"/>
+          </a:xfrm>
+          <a:prstGeom prst="roundRect">
+            <a:avLst/>
+          </a:prstGeom>
+          <a:ln/>
+        </p:spPr>
+        <p:style>
+          <a:lnRef idx="2">
+            <a:schemeClr val="dk1"/>
+          </a:lnRef>
+          <a:fillRef idx="1">
+            <a:schemeClr val="lt1"/>
+          </a:fillRef>
+          <a:effectRef idx="0">
+            <a:schemeClr val="dk1"/>
+          </a:effectRef>
+          <a:fontRef idx="minor">
+            <a:schemeClr val="dk1"/>
+          </a:fontRef>
+        </p:style>
+        <p:txBody>
+          <a:bodyPr rtlCol="0" anchor="ctr"/>
+          <a:lstStyle/>
+          <a:p>
+            <a:pPr algn="ctr"/>
+            <a:r>
+              <a:rPr lang="en-GB" sz="1200" dirty="0"/>
+              <a:t>Function</a:t>
+            </a:r>
+          </a:p>
+          <a:p>
+            <a:pPr algn="ctr"/>
+            <a:r>
+              <a:rPr lang="en-GB" sz="1200" dirty="0" err="1"/>
+              <a:t>count_annualy</a:t>
+            </a:r>
+            <a:r>
+              <a:rPr lang="en-GB" sz="1200" dirty="0"/>
+              <a:t>()</a:t>
+            </a:r>
+            <a:endParaRPr lang="en-US" sz="1200" dirty="0">
+              <a:solidFill>
+                <a:schemeClr val="dk1"/>
+              </a:solidFill>
+            </a:endParaRPr>
+          </a:p>
+        </p:txBody>
+      </p:sp>
+      <p:sp>
+        <p:nvSpPr>
+          <p:cNvPr id="9" name="Rectangle: Rounded Corners 8">
+            <a:extLst>
+              <a:ext uri="{FF2B5EF4-FFF2-40B4-BE49-F238E27FC236}">
+                <a16:creationId xmlns:a16="http://schemas.microsoft.com/office/drawing/2014/main" id="{27C65C3D-2AE8-8303-E75F-A70F6A8263C3}"/>
+              </a:ext>
+            </a:extLst>
+          </p:cNvPr>
+          <p:cNvSpPr/>
+          <p:nvPr/>
+        </p:nvSpPr>
+        <p:spPr>
+          <a:xfrm>
+            <a:off x="6601329" y="2479978"/>
+            <a:ext cx="1190418" cy="432002"/>
+          </a:xfrm>
+          <a:prstGeom prst="roundRect">
+            <a:avLst/>
+          </a:prstGeom>
+          <a:ln/>
+        </p:spPr>
+        <p:style>
+          <a:lnRef idx="2">
+            <a:schemeClr val="dk1"/>
+          </a:lnRef>
+          <a:fillRef idx="1">
+            <a:schemeClr val="lt1"/>
+          </a:fillRef>
+          <a:effectRef idx="0">
+            <a:schemeClr val="dk1"/>
+          </a:effectRef>
+          <a:fontRef idx="minor">
+            <a:schemeClr val="dk1"/>
+          </a:fontRef>
+        </p:style>
+        <p:txBody>
+          <a:bodyPr rtlCol="0" anchor="ctr"/>
+          <a:lstStyle/>
+          <a:p>
+            <a:pPr algn="ctr"/>
+            <a:r>
+              <a:rPr lang="en-GB" sz="1200" dirty="0"/>
+              <a:t>Function</a:t>
+            </a:r>
+          </a:p>
+          <a:p>
+            <a:pPr algn="ctr"/>
+            <a:r>
+              <a:rPr lang="en-GB" sz="1200" dirty="0" err="1"/>
+              <a:t>find_by_key</a:t>
+            </a:r>
+            <a:r>
+              <a:rPr lang="en-GB" sz="1200" dirty="0"/>
+              <a:t>()</a:t>
+            </a:r>
+            <a:endParaRPr lang="en-US" sz="1200" dirty="0">
+              <a:solidFill>
+                <a:schemeClr val="dk1"/>
+              </a:solidFill>
+            </a:endParaRPr>
+          </a:p>
+        </p:txBody>
+      </p:sp>
+      <p:sp>
+        <p:nvSpPr>
+          <p:cNvPr id="11" name="Rectangle: Rounded Corners 10">
+            <a:extLst>
+              <a:ext uri="{FF2B5EF4-FFF2-40B4-BE49-F238E27FC236}">
+                <a16:creationId xmlns:a16="http://schemas.microsoft.com/office/drawing/2014/main" id="{DB441486-1ED7-8022-F6DC-50017442D7EB}"/>
+              </a:ext>
+            </a:extLst>
+          </p:cNvPr>
+          <p:cNvSpPr/>
+          <p:nvPr/>
+        </p:nvSpPr>
+        <p:spPr>
+          <a:xfrm>
+            <a:off x="6630236" y="3645382"/>
+            <a:ext cx="1501801" cy="432002"/>
+          </a:xfrm>
+          <a:prstGeom prst="roundRect">
+            <a:avLst/>
+          </a:prstGeom>
+          <a:ln/>
+        </p:spPr>
+        <p:style>
+          <a:lnRef idx="2">
+            <a:schemeClr val="dk1"/>
+          </a:lnRef>
+          <a:fillRef idx="1">
+            <a:schemeClr val="lt1"/>
+          </a:fillRef>
+          <a:effectRef idx="0">
+            <a:schemeClr val="dk1"/>
+          </a:effectRef>
+          <a:fontRef idx="minor">
+            <a:schemeClr val="dk1"/>
+          </a:fontRef>
+        </p:style>
+        <p:txBody>
+          <a:bodyPr rtlCol="0" anchor="ctr"/>
+          <a:lstStyle/>
+          <a:p>
+            <a:pPr algn="ctr"/>
+            <a:r>
+              <a:rPr lang="en-GB" sz="1200" dirty="0"/>
+              <a:t>Function</a:t>
+            </a:r>
+          </a:p>
+          <a:p>
+            <a:pPr algn="ctr"/>
+            <a:r>
+              <a:rPr lang="en-GB" sz="1200" dirty="0" err="1"/>
+              <a:t>find_by_key_range</a:t>
+            </a:r>
+            <a:r>
+              <a:rPr lang="en-GB" sz="1200" dirty="0"/>
+              <a:t>()</a:t>
+            </a:r>
+            <a:endParaRPr lang="en-US" sz="1200" dirty="0">
+              <a:solidFill>
+                <a:schemeClr val="dk1"/>
+              </a:solidFill>
+            </a:endParaRPr>
+          </a:p>
+        </p:txBody>
+      </p:sp>
+      <p:cxnSp>
+        <p:nvCxnSpPr>
+          <p:cNvPr id="13" name="Straight Connector 12">
+            <a:extLst>
+              <a:ext uri="{FF2B5EF4-FFF2-40B4-BE49-F238E27FC236}">
+                <a16:creationId xmlns:a16="http://schemas.microsoft.com/office/drawing/2014/main" id="{7DA66BB5-DB4D-CEB1-F1CB-51F8CE8D99D5}"/>
+              </a:ext>
+            </a:extLst>
+          </p:cNvPr>
+          <p:cNvCxnSpPr>
+            <a:cxnSpLocks/>
+          </p:cNvCxnSpPr>
+          <p:nvPr/>
+        </p:nvCxnSpPr>
+        <p:spPr>
+          <a:xfrm>
+            <a:off x="1158029" y="2288463"/>
+            <a:ext cx="0" cy="321880"/>
+          </a:xfrm>
+          <a:prstGeom prst="line">
+            <a:avLst/>
+          </a:prstGeom>
+          <a:ln w="12700">
+            <a:solidFill>
+              <a:schemeClr val="tx1"/>
+            </a:solidFill>
+          </a:ln>
+        </p:spPr>
+        <p:style>
+          <a:lnRef idx="1">
+            <a:schemeClr val="accent1"/>
+          </a:lnRef>
+          <a:fillRef idx="0">
+            <a:schemeClr val="accent1"/>
+          </a:fillRef>
+          <a:effectRef idx="0">
+            <a:schemeClr val="accent1"/>
+          </a:effectRef>
+          <a:fontRef idx="minor">
+            <a:schemeClr val="tx1"/>
+          </a:fontRef>
+        </p:style>
+      </p:cxnSp>
+      <p:sp>
+        <p:nvSpPr>
+          <p:cNvPr id="19" name="Rectangle 18">
+            <a:extLst>
+              <a:ext uri="{FF2B5EF4-FFF2-40B4-BE49-F238E27FC236}">
+                <a16:creationId xmlns:a16="http://schemas.microsoft.com/office/drawing/2014/main" id="{A55994E1-2051-984A-40AB-1E720B16CC3D}"/>
+              </a:ext>
+            </a:extLst>
+          </p:cNvPr>
+          <p:cNvSpPr/>
+          <p:nvPr/>
+        </p:nvSpPr>
+        <p:spPr>
+          <a:xfrm>
+            <a:off x="1446728" y="2428877"/>
+            <a:ext cx="1233565" cy="392386"/>
+          </a:xfrm>
+          <a:prstGeom prst="rect">
+            <a:avLst/>
+          </a:prstGeom>
+          <a:ln>
+            <a:solidFill>
+              <a:schemeClr val="accent1"/>
+            </a:solidFill>
+          </a:ln>
+        </p:spPr>
+        <p:style>
+          <a:lnRef idx="2">
+            <a:schemeClr val="dk1"/>
+          </a:lnRef>
+          <a:fillRef idx="1">
+            <a:schemeClr val="lt1"/>
+          </a:fillRef>
+          <a:effectRef idx="0">
+            <a:schemeClr val="dk1"/>
+          </a:effectRef>
+          <a:fontRef idx="minor">
+            <a:schemeClr val="dk1"/>
+          </a:fontRef>
+        </p:style>
+        <p:txBody>
+          <a:bodyPr rtlCol="0" anchor="ctr"/>
+          <a:lstStyle/>
+          <a:p>
+            <a:pPr algn="ctr"/>
+            <a:r>
+              <a:rPr lang="en-GB" sz="1200" dirty="0"/>
+              <a:t>User prompts for a path</a:t>
+            </a:r>
+            <a:endParaRPr lang="en-US" sz="1200" dirty="0"/>
+          </a:p>
+        </p:txBody>
+      </p:sp>
+      <p:sp>
+        <p:nvSpPr>
+          <p:cNvPr id="25" name="Rectangle 24">
+            <a:extLst>
+              <a:ext uri="{FF2B5EF4-FFF2-40B4-BE49-F238E27FC236}">
+                <a16:creationId xmlns:a16="http://schemas.microsoft.com/office/drawing/2014/main" id="{D3C7AF69-DFE5-E76B-3F03-FC600DC3CF1C}"/>
+              </a:ext>
+            </a:extLst>
+          </p:cNvPr>
+          <p:cNvSpPr/>
+          <p:nvPr/>
+        </p:nvSpPr>
+        <p:spPr>
+          <a:xfrm>
+            <a:off x="1459889" y="3600874"/>
+            <a:ext cx="1233565" cy="392386"/>
+          </a:xfrm>
+          <a:prstGeom prst="rect">
+            <a:avLst/>
+          </a:prstGeom>
+          <a:ln>
+            <a:solidFill>
+              <a:schemeClr val="accent1"/>
+            </a:solidFill>
+          </a:ln>
+        </p:spPr>
+        <p:style>
+          <a:lnRef idx="2">
+            <a:schemeClr val="dk1"/>
+          </a:lnRef>
+          <a:fillRef idx="1">
+            <a:schemeClr val="lt1"/>
+          </a:fillRef>
+          <a:effectRef idx="0">
+            <a:schemeClr val="dk1"/>
+          </a:effectRef>
+          <a:fontRef idx="minor">
+            <a:schemeClr val="dk1"/>
+          </a:fontRef>
+        </p:style>
+        <p:txBody>
+          <a:bodyPr rtlCol="0" anchor="ctr"/>
+          <a:lstStyle/>
+          <a:p>
+            <a:pPr algn="ctr"/>
+            <a:r>
+              <a:rPr lang="en-GB" sz="1200" dirty="0"/>
+              <a:t>User prompts  what to find</a:t>
+            </a:r>
+            <a:endParaRPr lang="en-US" sz="1200" dirty="0"/>
+          </a:p>
+        </p:txBody>
+      </p:sp>
+      <p:sp>
+        <p:nvSpPr>
+          <p:cNvPr id="29" name="Rectangle 28">
+            <a:extLst>
+              <a:ext uri="{FF2B5EF4-FFF2-40B4-BE49-F238E27FC236}">
+                <a16:creationId xmlns:a16="http://schemas.microsoft.com/office/drawing/2014/main" id="{A658F230-C21F-B9F8-98E5-235E3C56EAE5}"/>
+              </a:ext>
+            </a:extLst>
+          </p:cNvPr>
+          <p:cNvSpPr/>
+          <p:nvPr/>
+        </p:nvSpPr>
+        <p:spPr>
+          <a:xfrm>
+            <a:off x="1448725" y="4673110"/>
+            <a:ext cx="1233565" cy="392386"/>
+          </a:xfrm>
+          <a:prstGeom prst="rect">
+            <a:avLst/>
+          </a:prstGeom>
+          <a:ln>
+            <a:solidFill>
+              <a:schemeClr val="accent1"/>
+            </a:solidFill>
+          </a:ln>
+        </p:spPr>
+        <p:style>
+          <a:lnRef idx="2">
+            <a:schemeClr val="dk1"/>
+          </a:lnRef>
+          <a:fillRef idx="1">
+            <a:schemeClr val="lt1"/>
+          </a:fillRef>
+          <a:effectRef idx="0">
+            <a:schemeClr val="dk1"/>
+          </a:effectRef>
+          <a:fontRef idx="minor">
+            <a:schemeClr val="dk1"/>
+          </a:fontRef>
+        </p:style>
+        <p:txBody>
+          <a:bodyPr rtlCol="0" anchor="ctr"/>
+          <a:lstStyle/>
+          <a:p>
+            <a:pPr algn="ctr"/>
+            <a:r>
+              <a:rPr lang="en-GB" sz="1200" dirty="0"/>
+              <a:t>User prompts for one value</a:t>
+            </a:r>
+            <a:endParaRPr lang="en-US" sz="1200" dirty="0"/>
+          </a:p>
+        </p:txBody>
+      </p:sp>
+      <p:sp>
+        <p:nvSpPr>
+          <p:cNvPr id="32" name="Rectangle 31">
+            <a:extLst>
+              <a:ext uri="{FF2B5EF4-FFF2-40B4-BE49-F238E27FC236}">
+                <a16:creationId xmlns:a16="http://schemas.microsoft.com/office/drawing/2014/main" id="{D7CCBA19-BC96-BCB1-222E-839000CB4456}"/>
+              </a:ext>
+            </a:extLst>
+          </p:cNvPr>
+          <p:cNvSpPr/>
+          <p:nvPr/>
+        </p:nvSpPr>
+        <p:spPr>
+          <a:xfrm>
+            <a:off x="1489802" y="5851120"/>
+            <a:ext cx="1233565" cy="392386"/>
+          </a:xfrm>
+          <a:prstGeom prst="rect">
+            <a:avLst/>
+          </a:prstGeom>
+          <a:ln>
+            <a:solidFill>
+              <a:schemeClr val="accent1"/>
+            </a:solidFill>
+          </a:ln>
+        </p:spPr>
+        <p:style>
+          <a:lnRef idx="2">
+            <a:schemeClr val="dk1"/>
+          </a:lnRef>
+          <a:fillRef idx="1">
+            <a:schemeClr val="lt1"/>
+          </a:fillRef>
+          <a:effectRef idx="0">
+            <a:schemeClr val="dk1"/>
+          </a:effectRef>
+          <a:fontRef idx="minor">
+            <a:schemeClr val="dk1"/>
+          </a:fontRef>
+        </p:style>
+        <p:txBody>
+          <a:bodyPr rtlCol="0" anchor="ctr"/>
+          <a:lstStyle/>
+          <a:p>
+            <a:pPr algn="ctr"/>
+            <a:r>
+              <a:rPr lang="en-GB" sz="1200" dirty="0"/>
+              <a:t>User prompts for value range</a:t>
+            </a:r>
+            <a:endParaRPr lang="en-US" sz="1200" dirty="0"/>
+          </a:p>
+        </p:txBody>
+      </p:sp>
+      <p:sp>
+        <p:nvSpPr>
+          <p:cNvPr id="33" name="Rectangle 32">
+            <a:extLst>
+              <a:ext uri="{FF2B5EF4-FFF2-40B4-BE49-F238E27FC236}">
+                <a16:creationId xmlns:a16="http://schemas.microsoft.com/office/drawing/2014/main" id="{A9AFE7D0-D2D4-542C-114B-7357BE3754DD}"/>
+              </a:ext>
+            </a:extLst>
+          </p:cNvPr>
+          <p:cNvSpPr/>
+          <p:nvPr/>
+        </p:nvSpPr>
+        <p:spPr>
+          <a:xfrm>
+            <a:off x="4509443" y="2489903"/>
+            <a:ext cx="1096300" cy="829682"/>
+          </a:xfrm>
+          <a:prstGeom prst="rect">
+            <a:avLst/>
+          </a:prstGeom>
+          <a:ln>
+            <a:solidFill>
+              <a:schemeClr val="accent1"/>
+            </a:solidFill>
+          </a:ln>
+        </p:spPr>
+        <p:style>
+          <a:lnRef idx="2">
+            <a:schemeClr val="dk1"/>
+          </a:lnRef>
+          <a:fillRef idx="1">
+            <a:schemeClr val="lt1"/>
+          </a:fillRef>
+          <a:effectRef idx="0">
+            <a:schemeClr val="dk1"/>
+          </a:effectRef>
+          <a:fontRef idx="minor">
+            <a:schemeClr val="dk1"/>
+          </a:fontRef>
+        </p:style>
+        <p:txBody>
+          <a:bodyPr rtlCol="0" anchor="ctr"/>
+          <a:lstStyle/>
+          <a:p>
+            <a:pPr algn="ctr"/>
+            <a:r>
+              <a:rPr lang="en-GB" sz="1200" dirty="0"/>
+              <a:t>Filter dataset by conditions prompted in Menu module</a:t>
+            </a:r>
+            <a:endParaRPr lang="en-US" sz="1200" dirty="0"/>
+          </a:p>
+        </p:txBody>
+      </p:sp>
+      <p:sp>
+        <p:nvSpPr>
+          <p:cNvPr id="35" name="Rectangle 34">
+            <a:extLst>
+              <a:ext uri="{FF2B5EF4-FFF2-40B4-BE49-F238E27FC236}">
+                <a16:creationId xmlns:a16="http://schemas.microsoft.com/office/drawing/2014/main" id="{658AB2DF-2A47-F5CF-DF84-5068DAA3DC55}"/>
+              </a:ext>
+            </a:extLst>
+          </p:cNvPr>
+          <p:cNvSpPr/>
+          <p:nvPr/>
+        </p:nvSpPr>
+        <p:spPr>
+          <a:xfrm>
+            <a:off x="7099039" y="3056715"/>
+            <a:ext cx="1233565" cy="392386"/>
+          </a:xfrm>
+          <a:prstGeom prst="rect">
+            <a:avLst/>
+          </a:prstGeom>
+          <a:ln>
+            <a:solidFill>
+              <a:schemeClr val="accent1"/>
+            </a:solidFill>
+          </a:ln>
+        </p:spPr>
+        <p:style>
+          <a:lnRef idx="2">
+            <a:schemeClr val="dk1"/>
+          </a:lnRef>
+          <a:fillRef idx="1">
+            <a:schemeClr val="lt1"/>
+          </a:fillRef>
+          <a:effectRef idx="0">
+            <a:schemeClr val="dk1"/>
+          </a:effectRef>
+          <a:fontRef idx="minor">
+            <a:schemeClr val="dk1"/>
+          </a:fontRef>
+        </p:style>
+        <p:txBody>
+          <a:bodyPr rtlCol="0" anchor="ctr"/>
+          <a:lstStyle/>
+          <a:p>
+            <a:pPr algn="ctr"/>
+            <a:r>
+              <a:rPr lang="en-GB" sz="1200" dirty="0"/>
+              <a:t>Filter dataset by one key</a:t>
+            </a:r>
+            <a:endParaRPr lang="en-US" sz="1200" dirty="0"/>
+          </a:p>
+        </p:txBody>
+      </p:sp>
+      <p:sp>
+        <p:nvSpPr>
+          <p:cNvPr id="36" name="Rectangle 35">
+            <a:extLst>
+              <a:ext uri="{FF2B5EF4-FFF2-40B4-BE49-F238E27FC236}">
+                <a16:creationId xmlns:a16="http://schemas.microsoft.com/office/drawing/2014/main" id="{D6BAF204-6365-8449-7E8E-577CCDBDE257}"/>
+              </a:ext>
+            </a:extLst>
+          </p:cNvPr>
+          <p:cNvSpPr/>
+          <p:nvPr/>
+        </p:nvSpPr>
+        <p:spPr>
+          <a:xfrm>
+            <a:off x="7154736" y="4183673"/>
+            <a:ext cx="1233565" cy="392386"/>
+          </a:xfrm>
+          <a:prstGeom prst="rect">
+            <a:avLst/>
+          </a:prstGeom>
+          <a:ln>
+            <a:solidFill>
+              <a:schemeClr val="accent1"/>
+            </a:solidFill>
+          </a:ln>
+        </p:spPr>
+        <p:style>
+          <a:lnRef idx="2">
+            <a:schemeClr val="dk1"/>
+          </a:lnRef>
+          <a:fillRef idx="1">
+            <a:schemeClr val="lt1"/>
+          </a:fillRef>
+          <a:effectRef idx="0">
+            <a:schemeClr val="dk1"/>
+          </a:effectRef>
+          <a:fontRef idx="minor">
+            <a:schemeClr val="dk1"/>
+          </a:fontRef>
+        </p:style>
+        <p:txBody>
+          <a:bodyPr rtlCol="0" anchor="ctr"/>
+          <a:lstStyle/>
+          <a:p>
+            <a:pPr algn="ctr"/>
+            <a:r>
+              <a:rPr lang="en-US" sz="1200" dirty="0"/>
+              <a:t>Filter dataset by key range</a:t>
+            </a:r>
+          </a:p>
+        </p:txBody>
+      </p:sp>
+      <p:sp>
+        <p:nvSpPr>
+          <p:cNvPr id="37" name="Rectangle 36">
+            <a:extLst>
+              <a:ext uri="{FF2B5EF4-FFF2-40B4-BE49-F238E27FC236}">
+                <a16:creationId xmlns:a16="http://schemas.microsoft.com/office/drawing/2014/main" id="{98385ECB-707B-7647-1C3B-59C4AF98B54D}"/>
+              </a:ext>
+            </a:extLst>
+          </p:cNvPr>
+          <p:cNvSpPr/>
+          <p:nvPr/>
+        </p:nvSpPr>
+        <p:spPr>
+          <a:xfrm>
+            <a:off x="258792" y="1199740"/>
+            <a:ext cx="2519002" cy="5160112"/>
+          </a:xfrm>
+          <a:prstGeom prst="rect">
+            <a:avLst/>
+          </a:prstGeom>
+          <a:noFill/>
+          <a:ln>
+            <a:solidFill>
+              <a:schemeClr val="bg1">
+                <a:lumMod val="75000"/>
+              </a:schemeClr>
+            </a:solidFill>
+            <a:prstDash val="dash"/>
+          </a:ln>
+        </p:spPr>
+        <p:style>
+          <a:lnRef idx="2">
+            <a:schemeClr val="accent1">
+              <a:shade val="15000"/>
+            </a:schemeClr>
+          </a:lnRef>
+          <a:fillRef idx="1">
+            <a:schemeClr val="accent1"/>
+          </a:fillRef>
+          <a:effectRef idx="0">
+            <a:schemeClr val="accent1"/>
+          </a:effectRef>
+          <a:fontRef idx="minor">
+            <a:schemeClr val="lt1"/>
+          </a:fontRef>
+        </p:style>
+        <p:txBody>
+          <a:bodyPr rtlCol="0" anchor="ctr"/>
+          <a:lstStyle/>
+          <a:p>
+            <a:pPr algn="ctr"/>
+            <a:endParaRPr lang="en-US"/>
+          </a:p>
+        </p:txBody>
+      </p:sp>
+      <p:sp>
+        <p:nvSpPr>
+          <p:cNvPr id="38" name="Rectangle 37">
+            <a:extLst>
+              <a:ext uri="{FF2B5EF4-FFF2-40B4-BE49-F238E27FC236}">
+                <a16:creationId xmlns:a16="http://schemas.microsoft.com/office/drawing/2014/main" id="{890282FE-20F1-4026-D063-0C2B108E828A}"/>
+              </a:ext>
+            </a:extLst>
+          </p:cNvPr>
+          <p:cNvSpPr/>
+          <p:nvPr/>
+        </p:nvSpPr>
+        <p:spPr>
+          <a:xfrm>
+            <a:off x="3452370" y="1223807"/>
+            <a:ext cx="2216136" cy="2136495"/>
+          </a:xfrm>
+          <a:prstGeom prst="rect">
+            <a:avLst/>
+          </a:prstGeom>
+          <a:noFill/>
+          <a:ln>
+            <a:solidFill>
+              <a:schemeClr val="bg1">
+                <a:lumMod val="75000"/>
+              </a:schemeClr>
+            </a:solidFill>
+            <a:prstDash val="dash"/>
+          </a:ln>
+        </p:spPr>
+        <p:style>
+          <a:lnRef idx="2">
+            <a:schemeClr val="accent1">
+              <a:shade val="15000"/>
+            </a:schemeClr>
+          </a:lnRef>
+          <a:fillRef idx="1">
+            <a:schemeClr val="accent1"/>
+          </a:fillRef>
+          <a:effectRef idx="0">
+            <a:schemeClr val="accent1"/>
+          </a:effectRef>
+          <a:fontRef idx="minor">
+            <a:schemeClr val="lt1"/>
+          </a:fontRef>
+        </p:style>
+        <p:txBody>
+          <a:bodyPr rtlCol="0" anchor="ctr"/>
+          <a:lstStyle/>
+          <a:p>
+            <a:pPr algn="ctr"/>
+            <a:endParaRPr lang="en-US"/>
+          </a:p>
+        </p:txBody>
+      </p:sp>
+      <p:sp>
+        <p:nvSpPr>
+          <p:cNvPr id="39" name="Rectangle 38">
+            <a:extLst>
+              <a:ext uri="{FF2B5EF4-FFF2-40B4-BE49-F238E27FC236}">
+                <a16:creationId xmlns:a16="http://schemas.microsoft.com/office/drawing/2014/main" id="{3D07E7D6-84C5-09F7-1136-A28789BE201B}"/>
+              </a:ext>
+            </a:extLst>
+          </p:cNvPr>
+          <p:cNvSpPr/>
+          <p:nvPr/>
+        </p:nvSpPr>
+        <p:spPr>
+          <a:xfrm>
+            <a:off x="6014510" y="1807051"/>
+            <a:ext cx="2556411" cy="3060817"/>
+          </a:xfrm>
+          <a:prstGeom prst="rect">
+            <a:avLst/>
+          </a:prstGeom>
+          <a:noFill/>
+          <a:ln>
+            <a:solidFill>
+              <a:schemeClr val="bg1">
+                <a:lumMod val="75000"/>
+              </a:schemeClr>
+            </a:solidFill>
+            <a:prstDash val="dash"/>
+          </a:ln>
+        </p:spPr>
+        <p:style>
+          <a:lnRef idx="2">
+            <a:schemeClr val="accent1">
+              <a:shade val="15000"/>
+            </a:schemeClr>
+          </a:lnRef>
+          <a:fillRef idx="1">
+            <a:schemeClr val="accent1"/>
+          </a:fillRef>
+          <a:effectRef idx="0">
+            <a:schemeClr val="accent1"/>
+          </a:effectRef>
+          <a:fontRef idx="minor">
+            <a:schemeClr val="lt1"/>
+          </a:fontRef>
+        </p:style>
+        <p:txBody>
+          <a:bodyPr rtlCol="0" anchor="ctr"/>
+          <a:lstStyle/>
+          <a:p>
+            <a:pPr algn="ctr"/>
+            <a:endParaRPr lang="en-US"/>
+          </a:p>
+        </p:txBody>
+      </p:sp>
+      <p:sp>
+        <p:nvSpPr>
+          <p:cNvPr id="40" name="Rectangle 39">
+            <a:extLst>
+              <a:ext uri="{FF2B5EF4-FFF2-40B4-BE49-F238E27FC236}">
+                <a16:creationId xmlns:a16="http://schemas.microsoft.com/office/drawing/2014/main" id="{8168342E-DEFA-CEA8-13A3-E2F328567EB4}"/>
+              </a:ext>
+            </a:extLst>
+          </p:cNvPr>
+          <p:cNvSpPr/>
+          <p:nvPr/>
+        </p:nvSpPr>
+        <p:spPr>
+          <a:xfrm>
+            <a:off x="9077995" y="1257805"/>
+            <a:ext cx="2679067" cy="5179330"/>
+          </a:xfrm>
+          <a:prstGeom prst="rect">
+            <a:avLst/>
+          </a:prstGeom>
+          <a:noFill/>
+          <a:ln>
+            <a:solidFill>
+              <a:schemeClr val="bg1">
+                <a:lumMod val="75000"/>
+              </a:schemeClr>
+            </a:solidFill>
+            <a:prstDash val="dash"/>
+          </a:ln>
+        </p:spPr>
+        <p:style>
+          <a:lnRef idx="2">
+            <a:schemeClr val="accent1">
+              <a:shade val="15000"/>
+            </a:schemeClr>
+          </a:lnRef>
+          <a:fillRef idx="1">
+            <a:schemeClr val="accent1"/>
+          </a:fillRef>
+          <a:effectRef idx="0">
+            <a:schemeClr val="accent1"/>
+          </a:effectRef>
+          <a:fontRef idx="minor">
+            <a:schemeClr val="lt1"/>
+          </a:fontRef>
+        </p:style>
+        <p:txBody>
+          <a:bodyPr rtlCol="0" anchor="ctr"/>
+          <a:lstStyle/>
+          <a:p>
+            <a:pPr algn="ctr"/>
+            <a:endParaRPr lang="en-US"/>
+          </a:p>
+        </p:txBody>
+      </p:sp>
+      <p:cxnSp>
+        <p:nvCxnSpPr>
+          <p:cNvPr id="47" name="Straight Connector 46">
+            <a:extLst>
+              <a:ext uri="{FF2B5EF4-FFF2-40B4-BE49-F238E27FC236}">
+                <a16:creationId xmlns:a16="http://schemas.microsoft.com/office/drawing/2014/main" id="{566322BE-B944-F329-CFB2-544BB17EC4BD}"/>
+              </a:ext>
+            </a:extLst>
+          </p:cNvPr>
+          <p:cNvCxnSpPr>
+            <a:cxnSpLocks/>
+          </p:cNvCxnSpPr>
+          <p:nvPr/>
+        </p:nvCxnSpPr>
+        <p:spPr>
+          <a:xfrm>
+            <a:off x="549587" y="3239628"/>
+            <a:ext cx="286155" cy="0"/>
+          </a:xfrm>
+          <a:prstGeom prst="line">
+            <a:avLst/>
+          </a:prstGeom>
+          <a:ln w="12700">
+            <a:solidFill>
+              <a:schemeClr val="tx1"/>
+            </a:solidFill>
+          </a:ln>
+        </p:spPr>
+        <p:style>
+          <a:lnRef idx="1">
+            <a:schemeClr val="accent1"/>
+          </a:lnRef>
+          <a:fillRef idx="0">
+            <a:schemeClr val="accent1"/>
+          </a:fillRef>
+          <a:effectRef idx="0">
+            <a:schemeClr val="accent1"/>
+          </a:effectRef>
+          <a:fontRef idx="minor">
+            <a:schemeClr val="tx1"/>
+          </a:fontRef>
+        </p:style>
+      </p:cxnSp>
+      <p:cxnSp>
+        <p:nvCxnSpPr>
+          <p:cNvPr id="48" name="Straight Connector 47">
+            <a:extLst>
+              <a:ext uri="{FF2B5EF4-FFF2-40B4-BE49-F238E27FC236}">
+                <a16:creationId xmlns:a16="http://schemas.microsoft.com/office/drawing/2014/main" id="{0E2230A1-D56E-6EE8-318B-2D3C76AC1BC2}"/>
+              </a:ext>
+            </a:extLst>
+          </p:cNvPr>
+          <p:cNvCxnSpPr>
+            <a:cxnSpLocks/>
+          </p:cNvCxnSpPr>
+          <p:nvPr/>
+        </p:nvCxnSpPr>
+        <p:spPr>
+          <a:xfrm>
+            <a:off x="561282" y="4335789"/>
+            <a:ext cx="286155" cy="0"/>
+          </a:xfrm>
+          <a:prstGeom prst="line">
+            <a:avLst/>
+          </a:prstGeom>
+          <a:ln w="12700">
+            <a:solidFill>
+              <a:schemeClr val="tx1"/>
+            </a:solidFill>
+          </a:ln>
+        </p:spPr>
+        <p:style>
+          <a:lnRef idx="1">
+            <a:schemeClr val="accent1"/>
+          </a:lnRef>
+          <a:fillRef idx="0">
+            <a:schemeClr val="accent1"/>
+          </a:fillRef>
+          <a:effectRef idx="0">
+            <a:schemeClr val="accent1"/>
+          </a:effectRef>
+          <a:fontRef idx="minor">
+            <a:schemeClr val="tx1"/>
+          </a:fontRef>
+        </p:style>
+      </p:cxnSp>
+      <p:cxnSp>
+        <p:nvCxnSpPr>
+          <p:cNvPr id="49" name="Straight Connector 48">
+            <a:extLst>
+              <a:ext uri="{FF2B5EF4-FFF2-40B4-BE49-F238E27FC236}">
+                <a16:creationId xmlns:a16="http://schemas.microsoft.com/office/drawing/2014/main" id="{1E482BC4-D460-F10A-C4B8-884B41846AED}"/>
+              </a:ext>
+            </a:extLst>
+          </p:cNvPr>
+          <p:cNvCxnSpPr>
+            <a:cxnSpLocks/>
+          </p:cNvCxnSpPr>
+          <p:nvPr/>
+        </p:nvCxnSpPr>
+        <p:spPr>
+          <a:xfrm>
+            <a:off x="547611" y="5506222"/>
+            <a:ext cx="286155" cy="0"/>
+          </a:xfrm>
+          <a:prstGeom prst="line">
+            <a:avLst/>
+          </a:prstGeom>
+          <a:ln w="12700">
+            <a:solidFill>
+              <a:schemeClr val="tx1"/>
+            </a:solidFill>
+          </a:ln>
+        </p:spPr>
+        <p:style>
+          <a:lnRef idx="1">
+            <a:schemeClr val="accent1"/>
+          </a:lnRef>
+          <a:fillRef idx="0">
+            <a:schemeClr val="accent1"/>
+          </a:fillRef>
+          <a:effectRef idx="0">
+            <a:schemeClr val="accent1"/>
+          </a:effectRef>
+          <a:fontRef idx="minor">
+            <a:schemeClr val="tx1"/>
+          </a:fontRef>
+        </p:style>
+      </p:cxnSp>
+      <p:cxnSp>
+        <p:nvCxnSpPr>
+          <p:cNvPr id="51" name="Straight Connector 50">
+            <a:extLst>
+              <a:ext uri="{FF2B5EF4-FFF2-40B4-BE49-F238E27FC236}">
+                <a16:creationId xmlns:a16="http://schemas.microsoft.com/office/drawing/2014/main" id="{08D7C439-C293-CEB8-AABE-5C0A3B6C15FB}"/>
+              </a:ext>
+            </a:extLst>
+          </p:cNvPr>
+          <p:cNvCxnSpPr>
+            <a:cxnSpLocks/>
+          </p:cNvCxnSpPr>
+          <p:nvPr/>
+        </p:nvCxnSpPr>
+        <p:spPr>
+          <a:xfrm>
+            <a:off x="1158029" y="2610343"/>
+            <a:ext cx="286155" cy="0"/>
+          </a:xfrm>
+          <a:prstGeom prst="line">
+            <a:avLst/>
+          </a:prstGeom>
+          <a:ln w="12700">
+            <a:solidFill>
+              <a:schemeClr val="tx1"/>
+            </a:solidFill>
+          </a:ln>
+        </p:spPr>
+        <p:style>
+          <a:lnRef idx="1">
+            <a:schemeClr val="accent1"/>
+          </a:lnRef>
+          <a:fillRef idx="0">
+            <a:schemeClr val="accent1"/>
+          </a:fillRef>
+          <a:effectRef idx="0">
+            <a:schemeClr val="accent1"/>
+          </a:effectRef>
+          <a:fontRef idx="minor">
+            <a:schemeClr val="tx1"/>
+          </a:fontRef>
+        </p:style>
+      </p:cxnSp>
+      <p:cxnSp>
+        <p:nvCxnSpPr>
+          <p:cNvPr id="52" name="Straight Connector 51">
+            <a:extLst>
+              <a:ext uri="{FF2B5EF4-FFF2-40B4-BE49-F238E27FC236}">
+                <a16:creationId xmlns:a16="http://schemas.microsoft.com/office/drawing/2014/main" id="{5F7D20D9-BCF6-1FBF-716B-88086972CC3F}"/>
+              </a:ext>
+            </a:extLst>
+          </p:cNvPr>
+          <p:cNvCxnSpPr>
+            <a:cxnSpLocks/>
+          </p:cNvCxnSpPr>
+          <p:nvPr/>
+        </p:nvCxnSpPr>
+        <p:spPr>
+          <a:xfrm>
+            <a:off x="1158029" y="3443753"/>
+            <a:ext cx="0" cy="321880"/>
+          </a:xfrm>
+          <a:prstGeom prst="line">
+            <a:avLst/>
+          </a:prstGeom>
+          <a:ln w="12700">
+            <a:solidFill>
+              <a:schemeClr val="tx1"/>
+            </a:solidFill>
+          </a:ln>
+        </p:spPr>
+        <p:style>
+          <a:lnRef idx="1">
+            <a:schemeClr val="accent1"/>
+          </a:lnRef>
+          <a:fillRef idx="0">
+            <a:schemeClr val="accent1"/>
+          </a:fillRef>
+          <a:effectRef idx="0">
+            <a:schemeClr val="accent1"/>
+          </a:effectRef>
+          <a:fontRef idx="minor">
+            <a:schemeClr val="tx1"/>
+          </a:fontRef>
+        </p:style>
+      </p:cxnSp>
+      <p:cxnSp>
+        <p:nvCxnSpPr>
+          <p:cNvPr id="53" name="Straight Connector 52">
+            <a:extLst>
+              <a:ext uri="{FF2B5EF4-FFF2-40B4-BE49-F238E27FC236}">
+                <a16:creationId xmlns:a16="http://schemas.microsoft.com/office/drawing/2014/main" id="{BF025F72-C480-549E-DF76-209E2F0711BB}"/>
+              </a:ext>
+            </a:extLst>
+          </p:cNvPr>
+          <p:cNvCxnSpPr>
+            <a:cxnSpLocks/>
+          </p:cNvCxnSpPr>
+          <p:nvPr/>
+        </p:nvCxnSpPr>
+        <p:spPr>
+          <a:xfrm>
+            <a:off x="1158029" y="3765633"/>
+            <a:ext cx="286155" cy="0"/>
+          </a:xfrm>
+          <a:prstGeom prst="line">
+            <a:avLst/>
+          </a:prstGeom>
+          <a:ln w="12700">
+            <a:solidFill>
+              <a:schemeClr val="tx1"/>
+            </a:solidFill>
+          </a:ln>
+        </p:spPr>
+        <p:style>
+          <a:lnRef idx="1">
+            <a:schemeClr val="accent1"/>
+          </a:lnRef>
+          <a:fillRef idx="0">
+            <a:schemeClr val="accent1"/>
+          </a:fillRef>
+          <a:effectRef idx="0">
+            <a:schemeClr val="accent1"/>
+          </a:effectRef>
+          <a:fontRef idx="minor">
+            <a:schemeClr val="tx1"/>
+          </a:fontRef>
+        </p:style>
+      </p:cxnSp>
+      <p:cxnSp>
+        <p:nvCxnSpPr>
+          <p:cNvPr id="54" name="Straight Connector 53">
+            <a:extLst>
+              <a:ext uri="{FF2B5EF4-FFF2-40B4-BE49-F238E27FC236}">
+                <a16:creationId xmlns:a16="http://schemas.microsoft.com/office/drawing/2014/main" id="{48D71D07-FD55-451B-3534-AA45BF5C300C}"/>
+              </a:ext>
+            </a:extLst>
+          </p:cNvPr>
+          <p:cNvCxnSpPr>
+            <a:cxnSpLocks/>
+          </p:cNvCxnSpPr>
+          <p:nvPr/>
+        </p:nvCxnSpPr>
+        <p:spPr>
+          <a:xfrm>
+            <a:off x="1158029" y="4547423"/>
+            <a:ext cx="0" cy="321880"/>
+          </a:xfrm>
+          <a:prstGeom prst="line">
+            <a:avLst/>
+          </a:prstGeom>
+          <a:ln w="12700">
+            <a:solidFill>
+              <a:schemeClr val="tx1"/>
+            </a:solidFill>
+          </a:ln>
+        </p:spPr>
+        <p:style>
+          <a:lnRef idx="1">
+            <a:schemeClr val="accent1"/>
+          </a:lnRef>
+          <a:fillRef idx="0">
+            <a:schemeClr val="accent1"/>
+          </a:fillRef>
+          <a:effectRef idx="0">
+            <a:schemeClr val="accent1"/>
+          </a:effectRef>
+          <a:fontRef idx="minor">
+            <a:schemeClr val="tx1"/>
+          </a:fontRef>
+        </p:style>
+      </p:cxnSp>
+      <p:cxnSp>
+        <p:nvCxnSpPr>
+          <p:cNvPr id="55" name="Straight Connector 54">
+            <a:extLst>
+              <a:ext uri="{FF2B5EF4-FFF2-40B4-BE49-F238E27FC236}">
+                <a16:creationId xmlns:a16="http://schemas.microsoft.com/office/drawing/2014/main" id="{C247E312-4EBF-F2EF-839E-E10F77CA348D}"/>
+              </a:ext>
+            </a:extLst>
+          </p:cNvPr>
+          <p:cNvCxnSpPr>
+            <a:cxnSpLocks/>
+          </p:cNvCxnSpPr>
+          <p:nvPr/>
+        </p:nvCxnSpPr>
+        <p:spPr>
+          <a:xfrm>
+            <a:off x="1158029" y="4869303"/>
+            <a:ext cx="286155" cy="0"/>
+          </a:xfrm>
+          <a:prstGeom prst="line">
+            <a:avLst/>
+          </a:prstGeom>
+          <a:ln w="12700">
+            <a:solidFill>
+              <a:schemeClr val="tx1"/>
+            </a:solidFill>
+          </a:ln>
+        </p:spPr>
+        <p:style>
+          <a:lnRef idx="1">
+            <a:schemeClr val="accent1"/>
+          </a:lnRef>
+          <a:fillRef idx="0">
+            <a:schemeClr val="accent1"/>
+          </a:fillRef>
+          <a:effectRef idx="0">
+            <a:schemeClr val="accent1"/>
+          </a:effectRef>
+          <a:fontRef idx="minor">
+            <a:schemeClr val="tx1"/>
+          </a:fontRef>
+        </p:style>
+      </p:cxnSp>
+      <p:cxnSp>
+        <p:nvCxnSpPr>
+          <p:cNvPr id="56" name="Straight Connector 55">
+            <a:extLst>
+              <a:ext uri="{FF2B5EF4-FFF2-40B4-BE49-F238E27FC236}">
+                <a16:creationId xmlns:a16="http://schemas.microsoft.com/office/drawing/2014/main" id="{D053B387-8401-A4D5-0D2B-BDF24F0C32B8}"/>
+              </a:ext>
+            </a:extLst>
+          </p:cNvPr>
+          <p:cNvCxnSpPr>
+            <a:cxnSpLocks/>
+          </p:cNvCxnSpPr>
+          <p:nvPr/>
+        </p:nvCxnSpPr>
+        <p:spPr>
+          <a:xfrm>
+            <a:off x="1194381" y="5725433"/>
+            <a:ext cx="0" cy="321880"/>
+          </a:xfrm>
+          <a:prstGeom prst="line">
+            <a:avLst/>
+          </a:prstGeom>
+          <a:ln w="12700">
+            <a:solidFill>
+              <a:schemeClr val="tx1"/>
+            </a:solidFill>
+          </a:ln>
+        </p:spPr>
+        <p:style>
+          <a:lnRef idx="1">
+            <a:schemeClr val="accent1"/>
+          </a:lnRef>
+          <a:fillRef idx="0">
+            <a:schemeClr val="accent1"/>
+          </a:fillRef>
+          <a:effectRef idx="0">
+            <a:schemeClr val="accent1"/>
+          </a:effectRef>
+          <a:fontRef idx="minor">
+            <a:schemeClr val="tx1"/>
+          </a:fontRef>
+        </p:style>
+      </p:cxnSp>
+      <p:cxnSp>
+        <p:nvCxnSpPr>
+          <p:cNvPr id="57" name="Straight Connector 56">
+            <a:extLst>
+              <a:ext uri="{FF2B5EF4-FFF2-40B4-BE49-F238E27FC236}">
+                <a16:creationId xmlns:a16="http://schemas.microsoft.com/office/drawing/2014/main" id="{54105FB8-65B6-42D3-283F-5A9BDA4317B0}"/>
+              </a:ext>
+            </a:extLst>
+          </p:cNvPr>
+          <p:cNvCxnSpPr>
+            <a:cxnSpLocks/>
+          </p:cNvCxnSpPr>
+          <p:nvPr/>
+        </p:nvCxnSpPr>
+        <p:spPr>
+          <a:xfrm>
+            <a:off x="1194381" y="6047313"/>
+            <a:ext cx="286155" cy="0"/>
+          </a:xfrm>
+          <a:prstGeom prst="line">
+            <a:avLst/>
+          </a:prstGeom>
+          <a:ln w="12700">
+            <a:solidFill>
+              <a:schemeClr val="tx1"/>
+            </a:solidFill>
+          </a:ln>
+        </p:spPr>
+        <p:style>
+          <a:lnRef idx="1">
+            <a:schemeClr val="accent1"/>
+          </a:lnRef>
+          <a:fillRef idx="0">
+            <a:schemeClr val="accent1"/>
+          </a:fillRef>
+          <a:effectRef idx="0">
+            <a:schemeClr val="accent1"/>
+          </a:effectRef>
+          <a:fontRef idx="minor">
+            <a:schemeClr val="tx1"/>
+          </a:fontRef>
+        </p:style>
+      </p:cxnSp>
+      <p:cxnSp>
+        <p:nvCxnSpPr>
+          <p:cNvPr id="59" name="Straight Connector 58">
+            <a:extLst>
+              <a:ext uri="{FF2B5EF4-FFF2-40B4-BE49-F238E27FC236}">
+                <a16:creationId xmlns:a16="http://schemas.microsoft.com/office/drawing/2014/main" id="{F94BD614-7F83-4ADE-25F2-12AA9F9A453B}"/>
+              </a:ext>
+            </a:extLst>
+          </p:cNvPr>
+          <p:cNvCxnSpPr>
+            <a:cxnSpLocks/>
+          </p:cNvCxnSpPr>
+          <p:nvPr/>
+        </p:nvCxnSpPr>
+        <p:spPr>
+          <a:xfrm>
+            <a:off x="547611" y="2089408"/>
+            <a:ext cx="286155" cy="0"/>
+          </a:xfrm>
+          <a:prstGeom prst="line">
+            <a:avLst/>
+          </a:prstGeom>
+          <a:ln w="12700">
+            <a:solidFill>
+              <a:schemeClr val="tx1"/>
+            </a:solidFill>
+          </a:ln>
+        </p:spPr>
+        <p:style>
+          <a:lnRef idx="1">
+            <a:schemeClr val="accent1"/>
+          </a:lnRef>
+          <a:fillRef idx="0">
+            <a:schemeClr val="accent1"/>
+          </a:fillRef>
+          <a:effectRef idx="0">
+            <a:schemeClr val="accent1"/>
+          </a:effectRef>
+          <a:fontRef idx="minor">
+            <a:schemeClr val="tx1"/>
+          </a:fontRef>
+        </p:style>
+      </p:cxnSp>
+      <p:cxnSp>
+        <p:nvCxnSpPr>
+          <p:cNvPr id="60" name="Straight Connector 59">
+            <a:extLst>
+              <a:ext uri="{FF2B5EF4-FFF2-40B4-BE49-F238E27FC236}">
+                <a16:creationId xmlns:a16="http://schemas.microsoft.com/office/drawing/2014/main" id="{49FDE94B-DE54-A8AA-AE95-09D36935AA1E}"/>
+              </a:ext>
+            </a:extLst>
+          </p:cNvPr>
+          <p:cNvCxnSpPr>
+            <a:cxnSpLocks/>
+          </p:cNvCxnSpPr>
+          <p:nvPr/>
+        </p:nvCxnSpPr>
+        <p:spPr>
+          <a:xfrm>
+            <a:off x="3740939" y="1748379"/>
+            <a:ext cx="0" cy="388278"/>
+          </a:xfrm>
+          <a:prstGeom prst="line">
+            <a:avLst/>
+          </a:prstGeom>
+          <a:ln w="12700">
+            <a:solidFill>
+              <a:schemeClr val="tx1"/>
+            </a:solidFill>
+          </a:ln>
+        </p:spPr>
+        <p:style>
+          <a:lnRef idx="1">
+            <a:schemeClr val="accent1"/>
+          </a:lnRef>
+          <a:fillRef idx="0">
+            <a:schemeClr val="accent1"/>
+          </a:fillRef>
+          <a:effectRef idx="0">
+            <a:schemeClr val="accent1"/>
+          </a:effectRef>
+          <a:fontRef idx="minor">
+            <a:schemeClr val="tx1"/>
+          </a:fontRef>
+        </p:style>
+      </p:cxnSp>
+      <p:cxnSp>
+        <p:nvCxnSpPr>
+          <p:cNvPr id="61" name="Straight Connector 60">
+            <a:extLst>
+              <a:ext uri="{FF2B5EF4-FFF2-40B4-BE49-F238E27FC236}">
+                <a16:creationId xmlns:a16="http://schemas.microsoft.com/office/drawing/2014/main" id="{5545FBDF-BC11-5D6E-8BC8-1129FC0260AB}"/>
+              </a:ext>
+            </a:extLst>
+          </p:cNvPr>
+          <p:cNvCxnSpPr>
+            <a:cxnSpLocks/>
+          </p:cNvCxnSpPr>
+          <p:nvPr/>
+        </p:nvCxnSpPr>
+        <p:spPr>
+          <a:xfrm>
+            <a:off x="4224957" y="2345067"/>
+            <a:ext cx="0" cy="321880"/>
+          </a:xfrm>
+          <a:prstGeom prst="line">
+            <a:avLst/>
+          </a:prstGeom>
+          <a:ln w="12700">
+            <a:solidFill>
+              <a:schemeClr val="tx1"/>
+            </a:solidFill>
+          </a:ln>
+        </p:spPr>
+        <p:style>
+          <a:lnRef idx="1">
+            <a:schemeClr val="accent1"/>
+          </a:lnRef>
+          <a:fillRef idx="0">
+            <a:schemeClr val="accent1"/>
+          </a:fillRef>
+          <a:effectRef idx="0">
+            <a:schemeClr val="accent1"/>
+          </a:effectRef>
+          <a:fontRef idx="minor">
+            <a:schemeClr val="tx1"/>
+          </a:fontRef>
+        </p:style>
+      </p:cxnSp>
+      <p:cxnSp>
+        <p:nvCxnSpPr>
+          <p:cNvPr id="62" name="Straight Connector 61">
+            <a:extLst>
+              <a:ext uri="{FF2B5EF4-FFF2-40B4-BE49-F238E27FC236}">
+                <a16:creationId xmlns:a16="http://schemas.microsoft.com/office/drawing/2014/main" id="{3EC4D791-79D5-816C-B463-7CE11AEA1A7D}"/>
+              </a:ext>
+            </a:extLst>
+          </p:cNvPr>
+          <p:cNvCxnSpPr>
+            <a:cxnSpLocks/>
+          </p:cNvCxnSpPr>
+          <p:nvPr/>
+        </p:nvCxnSpPr>
+        <p:spPr>
+          <a:xfrm>
+            <a:off x="4224957" y="2666947"/>
+            <a:ext cx="286155" cy="0"/>
+          </a:xfrm>
+          <a:prstGeom prst="line">
+            <a:avLst/>
+          </a:prstGeom>
+          <a:ln w="12700">
+            <a:solidFill>
+              <a:schemeClr val="tx1"/>
+            </a:solidFill>
+          </a:ln>
+        </p:spPr>
+        <p:style>
+          <a:lnRef idx="1">
+            <a:schemeClr val="accent1"/>
+          </a:lnRef>
+          <a:fillRef idx="0">
+            <a:schemeClr val="accent1"/>
+          </a:fillRef>
+          <a:effectRef idx="0">
+            <a:schemeClr val="accent1"/>
+          </a:effectRef>
+          <a:fontRef idx="minor">
+            <a:schemeClr val="tx1"/>
+          </a:fontRef>
+        </p:style>
+      </p:cxnSp>
+      <p:cxnSp>
+        <p:nvCxnSpPr>
+          <p:cNvPr id="63" name="Straight Connector 62">
+            <a:extLst>
+              <a:ext uri="{FF2B5EF4-FFF2-40B4-BE49-F238E27FC236}">
+                <a16:creationId xmlns:a16="http://schemas.microsoft.com/office/drawing/2014/main" id="{684414F8-FD59-F36C-2021-FE2F1B32A6A2}"/>
+              </a:ext>
+            </a:extLst>
+          </p:cNvPr>
+          <p:cNvCxnSpPr>
+            <a:cxnSpLocks/>
+          </p:cNvCxnSpPr>
+          <p:nvPr/>
+        </p:nvCxnSpPr>
+        <p:spPr>
+          <a:xfrm>
+            <a:off x="3736460" y="2136657"/>
+            <a:ext cx="286155" cy="0"/>
+          </a:xfrm>
+          <a:prstGeom prst="line">
+            <a:avLst/>
+          </a:prstGeom>
+          <a:ln w="12700">
+            <a:solidFill>
+              <a:schemeClr val="tx1"/>
+            </a:solidFill>
+          </a:ln>
+        </p:spPr>
+        <p:style>
+          <a:lnRef idx="1">
+            <a:schemeClr val="accent1"/>
+          </a:lnRef>
+          <a:fillRef idx="0">
+            <a:schemeClr val="accent1"/>
+          </a:fillRef>
+          <a:effectRef idx="0">
+            <a:schemeClr val="accent1"/>
+          </a:effectRef>
+          <a:fontRef idx="minor">
+            <a:schemeClr val="tx1"/>
+          </a:fontRef>
+        </p:style>
+      </p:cxnSp>
+      <p:cxnSp>
+        <p:nvCxnSpPr>
+          <p:cNvPr id="66" name="Straight Connector 65">
+            <a:extLst>
+              <a:ext uri="{FF2B5EF4-FFF2-40B4-BE49-F238E27FC236}">
+                <a16:creationId xmlns:a16="http://schemas.microsoft.com/office/drawing/2014/main" id="{96F6F04D-D5DC-68CA-6D5D-97B9F342DE95}"/>
+              </a:ext>
+            </a:extLst>
+          </p:cNvPr>
+          <p:cNvCxnSpPr>
+            <a:cxnSpLocks/>
+          </p:cNvCxnSpPr>
+          <p:nvPr/>
+        </p:nvCxnSpPr>
+        <p:spPr>
+          <a:xfrm>
+            <a:off x="6300105" y="2305038"/>
+            <a:ext cx="0" cy="1541007"/>
+          </a:xfrm>
+          <a:prstGeom prst="line">
+            <a:avLst/>
+          </a:prstGeom>
+          <a:ln w="12700">
+            <a:solidFill>
+              <a:schemeClr val="tx1"/>
+            </a:solidFill>
+          </a:ln>
+        </p:spPr>
+        <p:style>
+          <a:lnRef idx="1">
+            <a:schemeClr val="accent1"/>
+          </a:lnRef>
+          <a:fillRef idx="0">
+            <a:schemeClr val="accent1"/>
+          </a:fillRef>
+          <a:effectRef idx="0">
+            <a:schemeClr val="accent1"/>
+          </a:effectRef>
+          <a:fontRef idx="minor">
+            <a:schemeClr val="tx1"/>
+          </a:fontRef>
+        </p:style>
+      </p:cxnSp>
+      <p:cxnSp>
+        <p:nvCxnSpPr>
+          <p:cNvPr id="67" name="Straight Connector 66">
+            <a:extLst>
+              <a:ext uri="{FF2B5EF4-FFF2-40B4-BE49-F238E27FC236}">
+                <a16:creationId xmlns:a16="http://schemas.microsoft.com/office/drawing/2014/main" id="{0A5EE755-C9D3-909A-C0E4-D61FF9594579}"/>
+              </a:ext>
+            </a:extLst>
+          </p:cNvPr>
+          <p:cNvCxnSpPr>
+            <a:cxnSpLocks/>
+          </p:cNvCxnSpPr>
+          <p:nvPr/>
+        </p:nvCxnSpPr>
+        <p:spPr>
+          <a:xfrm>
+            <a:off x="6784124" y="2911894"/>
+            <a:ext cx="0" cy="321880"/>
+          </a:xfrm>
+          <a:prstGeom prst="line">
+            <a:avLst/>
+          </a:prstGeom>
+          <a:ln w="12700">
+            <a:solidFill>
+              <a:schemeClr val="tx1"/>
+            </a:solidFill>
+          </a:ln>
+        </p:spPr>
+        <p:style>
+          <a:lnRef idx="1">
+            <a:schemeClr val="accent1"/>
+          </a:lnRef>
+          <a:fillRef idx="0">
+            <a:schemeClr val="accent1"/>
+          </a:fillRef>
+          <a:effectRef idx="0">
+            <a:schemeClr val="accent1"/>
+          </a:effectRef>
+          <a:fontRef idx="minor">
+            <a:schemeClr val="tx1"/>
+          </a:fontRef>
+        </p:style>
+      </p:cxnSp>
+      <p:cxnSp>
+        <p:nvCxnSpPr>
+          <p:cNvPr id="68" name="Straight Connector 67">
+            <a:extLst>
+              <a:ext uri="{FF2B5EF4-FFF2-40B4-BE49-F238E27FC236}">
+                <a16:creationId xmlns:a16="http://schemas.microsoft.com/office/drawing/2014/main" id="{9CC6F342-D54D-AE26-26D8-6599524CA7D7}"/>
+              </a:ext>
+            </a:extLst>
+          </p:cNvPr>
+          <p:cNvCxnSpPr>
+            <a:cxnSpLocks/>
+          </p:cNvCxnSpPr>
+          <p:nvPr/>
+        </p:nvCxnSpPr>
+        <p:spPr>
+          <a:xfrm>
+            <a:off x="6784124" y="3233774"/>
+            <a:ext cx="286155" cy="0"/>
+          </a:xfrm>
+          <a:prstGeom prst="line">
+            <a:avLst/>
+          </a:prstGeom>
+          <a:ln w="12700">
+            <a:solidFill>
+              <a:schemeClr val="tx1"/>
+            </a:solidFill>
+          </a:ln>
+        </p:spPr>
+        <p:style>
+          <a:lnRef idx="1">
+            <a:schemeClr val="accent1"/>
+          </a:lnRef>
+          <a:fillRef idx="0">
+            <a:schemeClr val="accent1"/>
+          </a:fillRef>
+          <a:effectRef idx="0">
+            <a:schemeClr val="accent1"/>
+          </a:effectRef>
+          <a:fontRef idx="minor">
+            <a:schemeClr val="tx1"/>
+          </a:fontRef>
+        </p:style>
+      </p:cxnSp>
+      <p:cxnSp>
+        <p:nvCxnSpPr>
+          <p:cNvPr id="69" name="Straight Connector 68">
+            <a:extLst>
+              <a:ext uri="{FF2B5EF4-FFF2-40B4-BE49-F238E27FC236}">
+                <a16:creationId xmlns:a16="http://schemas.microsoft.com/office/drawing/2014/main" id="{71187D40-E179-0D04-3BA3-FD29755D7BC0}"/>
+              </a:ext>
+            </a:extLst>
+          </p:cNvPr>
+          <p:cNvCxnSpPr>
+            <a:cxnSpLocks/>
+          </p:cNvCxnSpPr>
+          <p:nvPr/>
+        </p:nvCxnSpPr>
+        <p:spPr>
+          <a:xfrm>
+            <a:off x="6295626" y="2693316"/>
+            <a:ext cx="286155" cy="0"/>
+          </a:xfrm>
+          <a:prstGeom prst="line">
+            <a:avLst/>
+          </a:prstGeom>
+          <a:ln w="12700">
+            <a:solidFill>
+              <a:schemeClr val="tx1"/>
+            </a:solidFill>
+          </a:ln>
+        </p:spPr>
+        <p:style>
+          <a:lnRef idx="1">
+            <a:schemeClr val="accent1"/>
+          </a:lnRef>
+          <a:fillRef idx="0">
+            <a:schemeClr val="accent1"/>
+          </a:fillRef>
+          <a:effectRef idx="0">
+            <a:schemeClr val="accent1"/>
+          </a:effectRef>
+          <a:fontRef idx="minor">
+            <a:schemeClr val="tx1"/>
+          </a:fontRef>
+        </p:style>
+      </p:cxnSp>
+      <p:cxnSp>
+        <p:nvCxnSpPr>
+          <p:cNvPr id="71" name="Straight Connector 70">
+            <a:extLst>
+              <a:ext uri="{FF2B5EF4-FFF2-40B4-BE49-F238E27FC236}">
+                <a16:creationId xmlns:a16="http://schemas.microsoft.com/office/drawing/2014/main" id="{C0EF3316-8D1B-5744-01EA-87F921362045}"/>
+              </a:ext>
+            </a:extLst>
+          </p:cNvPr>
+          <p:cNvCxnSpPr>
+            <a:cxnSpLocks/>
+          </p:cNvCxnSpPr>
+          <p:nvPr/>
+        </p:nvCxnSpPr>
+        <p:spPr>
+          <a:xfrm>
+            <a:off x="6316783" y="3846045"/>
+            <a:ext cx="286155" cy="0"/>
+          </a:xfrm>
+          <a:prstGeom prst="line">
+            <a:avLst/>
+          </a:prstGeom>
+          <a:ln w="12700">
+            <a:solidFill>
+              <a:schemeClr val="tx1"/>
+            </a:solidFill>
+          </a:ln>
+        </p:spPr>
+        <p:style>
+          <a:lnRef idx="1">
+            <a:schemeClr val="accent1"/>
+          </a:lnRef>
+          <a:fillRef idx="0">
+            <a:schemeClr val="accent1"/>
+          </a:fillRef>
+          <a:effectRef idx="0">
+            <a:schemeClr val="accent1"/>
+          </a:effectRef>
+          <a:fontRef idx="minor">
+            <a:schemeClr val="tx1"/>
+          </a:fontRef>
+        </p:style>
+      </p:cxnSp>
+      <p:cxnSp>
+        <p:nvCxnSpPr>
+          <p:cNvPr id="72" name="Straight Connector 71">
+            <a:extLst>
+              <a:ext uri="{FF2B5EF4-FFF2-40B4-BE49-F238E27FC236}">
+                <a16:creationId xmlns:a16="http://schemas.microsoft.com/office/drawing/2014/main" id="{031D88B1-98AF-553E-4002-BDDE431E7766}"/>
+              </a:ext>
+            </a:extLst>
+          </p:cNvPr>
+          <p:cNvCxnSpPr>
+            <a:cxnSpLocks/>
+          </p:cNvCxnSpPr>
+          <p:nvPr/>
+        </p:nvCxnSpPr>
+        <p:spPr>
+          <a:xfrm>
+            <a:off x="6862927" y="4082499"/>
+            <a:ext cx="0" cy="321880"/>
+          </a:xfrm>
+          <a:prstGeom prst="line">
+            <a:avLst/>
+          </a:prstGeom>
+          <a:ln w="12700">
+            <a:solidFill>
+              <a:schemeClr val="tx1"/>
+            </a:solidFill>
+          </a:ln>
+        </p:spPr>
+        <p:style>
+          <a:lnRef idx="1">
+            <a:schemeClr val="accent1"/>
+          </a:lnRef>
+          <a:fillRef idx="0">
+            <a:schemeClr val="accent1"/>
+          </a:fillRef>
+          <a:effectRef idx="0">
+            <a:schemeClr val="accent1"/>
+          </a:effectRef>
+          <a:fontRef idx="minor">
+            <a:schemeClr val="tx1"/>
+          </a:fontRef>
+        </p:style>
+      </p:cxnSp>
+      <p:cxnSp>
+        <p:nvCxnSpPr>
+          <p:cNvPr id="73" name="Straight Connector 72">
+            <a:extLst>
+              <a:ext uri="{FF2B5EF4-FFF2-40B4-BE49-F238E27FC236}">
+                <a16:creationId xmlns:a16="http://schemas.microsoft.com/office/drawing/2014/main" id="{D6064227-A090-2ADD-75AC-706436F60682}"/>
+              </a:ext>
+            </a:extLst>
+          </p:cNvPr>
+          <p:cNvCxnSpPr>
+            <a:cxnSpLocks/>
+          </p:cNvCxnSpPr>
+          <p:nvPr/>
+        </p:nvCxnSpPr>
+        <p:spPr>
+          <a:xfrm>
+            <a:off x="6862927" y="4404379"/>
+            <a:ext cx="286155" cy="0"/>
+          </a:xfrm>
+          <a:prstGeom prst="line">
+            <a:avLst/>
+          </a:prstGeom>
+          <a:ln w="12700">
+            <a:solidFill>
+              <a:schemeClr val="tx1"/>
+            </a:solidFill>
+          </a:ln>
+        </p:spPr>
+        <p:style>
+          <a:lnRef idx="1">
+            <a:schemeClr val="accent1"/>
+          </a:lnRef>
+          <a:fillRef idx="0">
+            <a:schemeClr val="accent1"/>
+          </a:fillRef>
+          <a:effectRef idx="0">
+            <a:schemeClr val="accent1"/>
+          </a:effectRef>
+          <a:fontRef idx="minor">
+            <a:schemeClr val="tx1"/>
+          </a:fontRef>
+        </p:style>
+      </p:cxnSp>
+      <p:cxnSp>
+        <p:nvCxnSpPr>
+          <p:cNvPr id="74" name="Straight Connector 73">
+            <a:extLst>
+              <a:ext uri="{FF2B5EF4-FFF2-40B4-BE49-F238E27FC236}">
+                <a16:creationId xmlns:a16="http://schemas.microsoft.com/office/drawing/2014/main" id="{D05F1D6E-A7E2-270F-5C41-7EF5DE00A77A}"/>
+              </a:ext>
+            </a:extLst>
+          </p:cNvPr>
+          <p:cNvCxnSpPr>
+            <a:cxnSpLocks/>
+          </p:cNvCxnSpPr>
+          <p:nvPr/>
+        </p:nvCxnSpPr>
+        <p:spPr>
+          <a:xfrm>
+            <a:off x="9343393" y="1821804"/>
+            <a:ext cx="0" cy="3805092"/>
+          </a:xfrm>
+          <a:prstGeom prst="line">
+            <a:avLst/>
+          </a:prstGeom>
+          <a:ln w="12700">
+            <a:solidFill>
+              <a:schemeClr val="tx1"/>
+            </a:solidFill>
+          </a:ln>
+        </p:spPr>
+        <p:style>
+          <a:lnRef idx="1">
+            <a:schemeClr val="accent1"/>
+          </a:lnRef>
+          <a:fillRef idx="0">
+            <a:schemeClr val="accent1"/>
+          </a:fillRef>
+          <a:effectRef idx="0">
+            <a:schemeClr val="accent1"/>
+          </a:effectRef>
+          <a:fontRef idx="minor">
+            <a:schemeClr val="tx1"/>
+          </a:fontRef>
+        </p:style>
+      </p:cxnSp>
+      <p:cxnSp>
+        <p:nvCxnSpPr>
+          <p:cNvPr id="75" name="Straight Connector 74">
+            <a:extLst>
+              <a:ext uri="{FF2B5EF4-FFF2-40B4-BE49-F238E27FC236}">
+                <a16:creationId xmlns:a16="http://schemas.microsoft.com/office/drawing/2014/main" id="{4FC9EF2C-C611-89CF-5CA5-EE01528F06A2}"/>
+              </a:ext>
+            </a:extLst>
+          </p:cNvPr>
+          <p:cNvCxnSpPr>
+            <a:cxnSpLocks/>
+          </p:cNvCxnSpPr>
+          <p:nvPr/>
+        </p:nvCxnSpPr>
+        <p:spPr>
+          <a:xfrm>
+            <a:off x="9949332" y="2409137"/>
+            <a:ext cx="0" cy="321880"/>
+          </a:xfrm>
+          <a:prstGeom prst="line">
+            <a:avLst/>
+          </a:prstGeom>
+          <a:ln w="12700">
+            <a:solidFill>
+              <a:schemeClr val="tx1"/>
+            </a:solidFill>
+          </a:ln>
+        </p:spPr>
+        <p:style>
+          <a:lnRef idx="1">
+            <a:schemeClr val="accent1"/>
+          </a:lnRef>
+          <a:fillRef idx="0">
+            <a:schemeClr val="accent1"/>
+          </a:fillRef>
+          <a:effectRef idx="0">
+            <a:schemeClr val="accent1"/>
+          </a:effectRef>
+          <a:fontRef idx="minor">
+            <a:schemeClr val="tx1"/>
+          </a:fontRef>
+        </p:style>
+      </p:cxnSp>
+      <p:cxnSp>
+        <p:nvCxnSpPr>
+          <p:cNvPr id="76" name="Straight Connector 75">
+            <a:extLst>
+              <a:ext uri="{FF2B5EF4-FFF2-40B4-BE49-F238E27FC236}">
+                <a16:creationId xmlns:a16="http://schemas.microsoft.com/office/drawing/2014/main" id="{B3CDB687-0419-214F-72B8-828304FA8A5A}"/>
+              </a:ext>
+            </a:extLst>
+          </p:cNvPr>
+          <p:cNvCxnSpPr>
+            <a:cxnSpLocks/>
+          </p:cNvCxnSpPr>
+          <p:nvPr/>
+        </p:nvCxnSpPr>
+        <p:spPr>
+          <a:xfrm>
+            <a:off x="9340890" y="3360302"/>
+            <a:ext cx="286155" cy="0"/>
+          </a:xfrm>
+          <a:prstGeom prst="line">
+            <a:avLst/>
+          </a:prstGeom>
+          <a:ln w="12700">
+            <a:solidFill>
+              <a:schemeClr val="tx1"/>
+            </a:solidFill>
+          </a:ln>
+        </p:spPr>
+        <p:style>
+          <a:lnRef idx="1">
+            <a:schemeClr val="accent1"/>
+          </a:lnRef>
+          <a:fillRef idx="0">
+            <a:schemeClr val="accent1"/>
+          </a:fillRef>
+          <a:effectRef idx="0">
+            <a:schemeClr val="accent1"/>
+          </a:effectRef>
+          <a:fontRef idx="minor">
+            <a:schemeClr val="tx1"/>
+          </a:fontRef>
+        </p:style>
+      </p:cxnSp>
+      <p:cxnSp>
+        <p:nvCxnSpPr>
+          <p:cNvPr id="77" name="Straight Connector 76">
+            <a:extLst>
+              <a:ext uri="{FF2B5EF4-FFF2-40B4-BE49-F238E27FC236}">
+                <a16:creationId xmlns:a16="http://schemas.microsoft.com/office/drawing/2014/main" id="{2C979B31-2612-33B7-3F13-E013FD518BD7}"/>
+              </a:ext>
+            </a:extLst>
+          </p:cNvPr>
+          <p:cNvCxnSpPr>
+            <a:cxnSpLocks/>
+          </p:cNvCxnSpPr>
+          <p:nvPr/>
+        </p:nvCxnSpPr>
+        <p:spPr>
+          <a:xfrm>
+            <a:off x="9352585" y="4456463"/>
+            <a:ext cx="286155" cy="0"/>
+          </a:xfrm>
+          <a:prstGeom prst="line">
+            <a:avLst/>
+          </a:prstGeom>
+          <a:ln w="12700">
+            <a:solidFill>
+              <a:schemeClr val="tx1"/>
+            </a:solidFill>
+          </a:ln>
+        </p:spPr>
+        <p:style>
+          <a:lnRef idx="1">
+            <a:schemeClr val="accent1"/>
+          </a:lnRef>
+          <a:fillRef idx="0">
+            <a:schemeClr val="accent1"/>
+          </a:fillRef>
+          <a:effectRef idx="0">
+            <a:schemeClr val="accent1"/>
+          </a:effectRef>
+          <a:fontRef idx="minor">
+            <a:schemeClr val="tx1"/>
+          </a:fontRef>
+        </p:style>
+      </p:cxnSp>
+      <p:cxnSp>
+        <p:nvCxnSpPr>
+          <p:cNvPr id="78" name="Straight Connector 77">
+            <a:extLst>
+              <a:ext uri="{FF2B5EF4-FFF2-40B4-BE49-F238E27FC236}">
+                <a16:creationId xmlns:a16="http://schemas.microsoft.com/office/drawing/2014/main" id="{45BB57D0-710F-71CB-3950-186D89C44C78}"/>
+              </a:ext>
+            </a:extLst>
+          </p:cNvPr>
+          <p:cNvCxnSpPr>
+            <a:cxnSpLocks/>
+          </p:cNvCxnSpPr>
+          <p:nvPr/>
+        </p:nvCxnSpPr>
+        <p:spPr>
+          <a:xfrm>
+            <a:off x="9949332" y="2731017"/>
+            <a:ext cx="286155" cy="0"/>
+          </a:xfrm>
+          <a:prstGeom prst="line">
+            <a:avLst/>
+          </a:prstGeom>
+          <a:ln w="12700">
+            <a:solidFill>
+              <a:schemeClr val="tx1"/>
+            </a:solidFill>
+          </a:ln>
+        </p:spPr>
+        <p:style>
+          <a:lnRef idx="1">
+            <a:schemeClr val="accent1"/>
+          </a:lnRef>
+          <a:fillRef idx="0">
+            <a:schemeClr val="accent1"/>
+          </a:fillRef>
+          <a:effectRef idx="0">
+            <a:schemeClr val="accent1"/>
+          </a:effectRef>
+          <a:fontRef idx="minor">
+            <a:schemeClr val="tx1"/>
+          </a:fontRef>
+        </p:style>
+      </p:cxnSp>
+      <p:cxnSp>
+        <p:nvCxnSpPr>
+          <p:cNvPr id="79" name="Straight Connector 78">
+            <a:extLst>
+              <a:ext uri="{FF2B5EF4-FFF2-40B4-BE49-F238E27FC236}">
+                <a16:creationId xmlns:a16="http://schemas.microsoft.com/office/drawing/2014/main" id="{579152B3-7385-9F1D-EF5F-8AC894D3ADF9}"/>
+              </a:ext>
+            </a:extLst>
+          </p:cNvPr>
+          <p:cNvCxnSpPr>
+            <a:cxnSpLocks/>
+          </p:cNvCxnSpPr>
+          <p:nvPr/>
+        </p:nvCxnSpPr>
+        <p:spPr>
+          <a:xfrm>
+            <a:off x="9949332" y="3564427"/>
+            <a:ext cx="0" cy="321880"/>
+          </a:xfrm>
+          <a:prstGeom prst="line">
+            <a:avLst/>
+          </a:prstGeom>
+          <a:ln w="12700">
+            <a:solidFill>
+              <a:schemeClr val="tx1"/>
+            </a:solidFill>
+          </a:ln>
+        </p:spPr>
+        <p:style>
+          <a:lnRef idx="1">
+            <a:schemeClr val="accent1"/>
+          </a:lnRef>
+          <a:fillRef idx="0">
+            <a:schemeClr val="accent1"/>
+          </a:fillRef>
+          <a:effectRef idx="0">
+            <a:schemeClr val="accent1"/>
+          </a:effectRef>
+          <a:fontRef idx="minor">
+            <a:schemeClr val="tx1"/>
+          </a:fontRef>
+        </p:style>
+      </p:cxnSp>
+      <p:cxnSp>
+        <p:nvCxnSpPr>
+          <p:cNvPr id="80" name="Straight Connector 79">
+            <a:extLst>
+              <a:ext uri="{FF2B5EF4-FFF2-40B4-BE49-F238E27FC236}">
+                <a16:creationId xmlns:a16="http://schemas.microsoft.com/office/drawing/2014/main" id="{93127509-344D-55A5-76C1-90EE205E1216}"/>
+              </a:ext>
+            </a:extLst>
+          </p:cNvPr>
+          <p:cNvCxnSpPr>
+            <a:cxnSpLocks/>
+          </p:cNvCxnSpPr>
+          <p:nvPr/>
+        </p:nvCxnSpPr>
+        <p:spPr>
+          <a:xfrm>
+            <a:off x="9949332" y="3886307"/>
+            <a:ext cx="286155" cy="0"/>
+          </a:xfrm>
+          <a:prstGeom prst="line">
+            <a:avLst/>
+          </a:prstGeom>
+          <a:ln w="12700">
+            <a:solidFill>
+              <a:schemeClr val="tx1"/>
+            </a:solidFill>
+          </a:ln>
+        </p:spPr>
+        <p:style>
+          <a:lnRef idx="1">
+            <a:schemeClr val="accent1"/>
+          </a:lnRef>
+          <a:fillRef idx="0">
+            <a:schemeClr val="accent1"/>
+          </a:fillRef>
+          <a:effectRef idx="0">
+            <a:schemeClr val="accent1"/>
+          </a:effectRef>
+          <a:fontRef idx="minor">
+            <a:schemeClr val="tx1"/>
+          </a:fontRef>
+        </p:style>
+      </p:cxnSp>
+      <p:cxnSp>
+        <p:nvCxnSpPr>
+          <p:cNvPr id="81" name="Straight Connector 80">
+            <a:extLst>
+              <a:ext uri="{FF2B5EF4-FFF2-40B4-BE49-F238E27FC236}">
+                <a16:creationId xmlns:a16="http://schemas.microsoft.com/office/drawing/2014/main" id="{CAAB620C-3E37-A9CB-2216-B1F643A6C019}"/>
+              </a:ext>
+            </a:extLst>
+          </p:cNvPr>
+          <p:cNvCxnSpPr>
+            <a:cxnSpLocks/>
+          </p:cNvCxnSpPr>
+          <p:nvPr/>
+        </p:nvCxnSpPr>
+        <p:spPr>
+          <a:xfrm>
+            <a:off x="9949332" y="4668097"/>
+            <a:ext cx="0" cy="321880"/>
+          </a:xfrm>
+          <a:prstGeom prst="line">
+            <a:avLst/>
+          </a:prstGeom>
+          <a:ln w="12700">
+            <a:solidFill>
+              <a:schemeClr val="tx1"/>
+            </a:solidFill>
+          </a:ln>
+        </p:spPr>
+        <p:style>
+          <a:lnRef idx="1">
+            <a:schemeClr val="accent1"/>
+          </a:lnRef>
+          <a:fillRef idx="0">
+            <a:schemeClr val="accent1"/>
+          </a:fillRef>
+          <a:effectRef idx="0">
+            <a:schemeClr val="accent1"/>
+          </a:effectRef>
+          <a:fontRef idx="minor">
+            <a:schemeClr val="tx1"/>
+          </a:fontRef>
+        </p:style>
+      </p:cxnSp>
+      <p:cxnSp>
+        <p:nvCxnSpPr>
+          <p:cNvPr id="82" name="Straight Connector 81">
+            <a:extLst>
+              <a:ext uri="{FF2B5EF4-FFF2-40B4-BE49-F238E27FC236}">
+                <a16:creationId xmlns:a16="http://schemas.microsoft.com/office/drawing/2014/main" id="{D77F81ED-2DFA-45E8-2754-77731205D2DA}"/>
+              </a:ext>
+            </a:extLst>
+          </p:cNvPr>
+          <p:cNvCxnSpPr>
+            <a:cxnSpLocks/>
+          </p:cNvCxnSpPr>
+          <p:nvPr/>
+        </p:nvCxnSpPr>
+        <p:spPr>
+          <a:xfrm>
+            <a:off x="9949332" y="4989977"/>
+            <a:ext cx="286155" cy="0"/>
+          </a:xfrm>
+          <a:prstGeom prst="line">
+            <a:avLst/>
+          </a:prstGeom>
+          <a:ln w="12700">
+            <a:solidFill>
+              <a:schemeClr val="tx1"/>
+            </a:solidFill>
+          </a:ln>
+        </p:spPr>
+        <p:style>
+          <a:lnRef idx="1">
+            <a:schemeClr val="accent1"/>
+          </a:lnRef>
+          <a:fillRef idx="0">
+            <a:schemeClr val="accent1"/>
+          </a:fillRef>
+          <a:effectRef idx="0">
+            <a:schemeClr val="accent1"/>
+          </a:effectRef>
+          <a:fontRef idx="minor">
+            <a:schemeClr val="tx1"/>
+          </a:fontRef>
+        </p:style>
+      </p:cxnSp>
+      <p:cxnSp>
+        <p:nvCxnSpPr>
+          <p:cNvPr id="83" name="Straight Connector 82">
+            <a:extLst>
+              <a:ext uri="{FF2B5EF4-FFF2-40B4-BE49-F238E27FC236}">
+                <a16:creationId xmlns:a16="http://schemas.microsoft.com/office/drawing/2014/main" id="{4AF444CE-AAA3-A7A2-C212-77C4D6AC7C96}"/>
+              </a:ext>
+            </a:extLst>
+          </p:cNvPr>
+          <p:cNvCxnSpPr>
+            <a:cxnSpLocks/>
+          </p:cNvCxnSpPr>
+          <p:nvPr/>
+        </p:nvCxnSpPr>
+        <p:spPr>
+          <a:xfrm>
+            <a:off x="9985684" y="5846107"/>
+            <a:ext cx="0" cy="321880"/>
+          </a:xfrm>
+          <a:prstGeom prst="line">
+            <a:avLst/>
+          </a:prstGeom>
+          <a:ln w="12700">
+            <a:solidFill>
+              <a:schemeClr val="tx1"/>
+            </a:solidFill>
+          </a:ln>
+        </p:spPr>
+        <p:style>
+          <a:lnRef idx="1">
+            <a:schemeClr val="accent1"/>
+          </a:lnRef>
+          <a:fillRef idx="0">
+            <a:schemeClr val="accent1"/>
+          </a:fillRef>
+          <a:effectRef idx="0">
+            <a:schemeClr val="accent1"/>
+          </a:effectRef>
+          <a:fontRef idx="minor">
+            <a:schemeClr val="tx1"/>
+          </a:fontRef>
+        </p:style>
+      </p:cxnSp>
+      <p:cxnSp>
+        <p:nvCxnSpPr>
+          <p:cNvPr id="84" name="Straight Connector 83">
+            <a:extLst>
+              <a:ext uri="{FF2B5EF4-FFF2-40B4-BE49-F238E27FC236}">
+                <a16:creationId xmlns:a16="http://schemas.microsoft.com/office/drawing/2014/main" id="{BF056AA4-70DC-A9C2-68D8-509D487A38D0}"/>
+              </a:ext>
+            </a:extLst>
+          </p:cNvPr>
+          <p:cNvCxnSpPr>
+            <a:cxnSpLocks/>
+          </p:cNvCxnSpPr>
+          <p:nvPr/>
+        </p:nvCxnSpPr>
+        <p:spPr>
+          <a:xfrm>
+            <a:off x="9985684" y="6167987"/>
+            <a:ext cx="286155" cy="0"/>
+          </a:xfrm>
+          <a:prstGeom prst="line">
+            <a:avLst/>
+          </a:prstGeom>
+          <a:ln w="12700">
+            <a:solidFill>
+              <a:schemeClr val="tx1"/>
+            </a:solidFill>
+          </a:ln>
+        </p:spPr>
+        <p:style>
+          <a:lnRef idx="1">
+            <a:schemeClr val="accent1"/>
+          </a:lnRef>
+          <a:fillRef idx="0">
+            <a:schemeClr val="accent1"/>
+          </a:fillRef>
+          <a:effectRef idx="0">
+            <a:schemeClr val="accent1"/>
+          </a:effectRef>
+          <a:fontRef idx="minor">
+            <a:schemeClr val="tx1"/>
+          </a:fontRef>
+        </p:style>
+      </p:cxnSp>
+      <p:cxnSp>
+        <p:nvCxnSpPr>
+          <p:cNvPr id="85" name="Straight Connector 84">
+            <a:extLst>
+              <a:ext uri="{FF2B5EF4-FFF2-40B4-BE49-F238E27FC236}">
+                <a16:creationId xmlns:a16="http://schemas.microsoft.com/office/drawing/2014/main" id="{260D6A45-5101-0427-1ED6-C5F7909BE2CF}"/>
+              </a:ext>
+            </a:extLst>
+          </p:cNvPr>
+          <p:cNvCxnSpPr>
+            <a:cxnSpLocks/>
+          </p:cNvCxnSpPr>
+          <p:nvPr/>
+        </p:nvCxnSpPr>
+        <p:spPr>
+          <a:xfrm>
+            <a:off x="9338914" y="2210082"/>
+            <a:ext cx="286155" cy="0"/>
+          </a:xfrm>
+          <a:prstGeom prst="line">
+            <a:avLst/>
+          </a:prstGeom>
+          <a:ln w="12700">
+            <a:solidFill>
+              <a:schemeClr val="tx1"/>
+            </a:solidFill>
+          </a:ln>
+        </p:spPr>
+        <p:style>
+          <a:lnRef idx="1">
+            <a:schemeClr val="accent1"/>
+          </a:lnRef>
+          <a:fillRef idx="0">
+            <a:schemeClr val="accent1"/>
+          </a:fillRef>
+          <a:effectRef idx="0">
+            <a:schemeClr val="accent1"/>
+          </a:effectRef>
+          <a:fontRef idx="minor">
+            <a:schemeClr val="tx1"/>
+          </a:fontRef>
+        </p:style>
+      </p:cxnSp>
+      <p:cxnSp>
+        <p:nvCxnSpPr>
+          <p:cNvPr id="86" name="Straight Connector 85">
+            <a:extLst>
+              <a:ext uri="{FF2B5EF4-FFF2-40B4-BE49-F238E27FC236}">
+                <a16:creationId xmlns:a16="http://schemas.microsoft.com/office/drawing/2014/main" id="{3FD644C5-D927-5BAB-2622-E6E26C361897}"/>
+              </a:ext>
+            </a:extLst>
+          </p:cNvPr>
+          <p:cNvCxnSpPr>
+            <a:cxnSpLocks/>
+          </p:cNvCxnSpPr>
+          <p:nvPr/>
+        </p:nvCxnSpPr>
+        <p:spPr>
+          <a:xfrm>
+            <a:off x="9352585" y="5642364"/>
+            <a:ext cx="286155" cy="0"/>
+          </a:xfrm>
+          <a:prstGeom prst="line">
+            <a:avLst/>
+          </a:prstGeom>
+          <a:ln w="12700">
+            <a:solidFill>
+              <a:schemeClr val="tx1"/>
+            </a:solidFill>
+          </a:ln>
+        </p:spPr>
+        <p:style>
+          <a:lnRef idx="1">
+            <a:schemeClr val="accent1"/>
+          </a:lnRef>
+          <a:fillRef idx="0">
+            <a:schemeClr val="accent1"/>
+          </a:fillRef>
+          <a:effectRef idx="0">
+            <a:schemeClr val="accent1"/>
+          </a:effectRef>
+          <a:fontRef idx="minor">
+            <a:schemeClr val="tx1"/>
+          </a:fontRef>
+        </p:style>
+      </p:cxnSp>
+      <p:sp>
+        <p:nvSpPr>
+          <p:cNvPr id="87" name="Rectangle 86">
+            <a:extLst>
+              <a:ext uri="{FF2B5EF4-FFF2-40B4-BE49-F238E27FC236}">
+                <a16:creationId xmlns:a16="http://schemas.microsoft.com/office/drawing/2014/main" id="{F8564B36-ABDA-4F3F-28B9-BEB735B3E158}"/>
+              </a:ext>
+            </a:extLst>
+          </p:cNvPr>
+          <p:cNvSpPr/>
+          <p:nvPr/>
+        </p:nvSpPr>
+        <p:spPr>
+          <a:xfrm>
+            <a:off x="10240852" y="2496516"/>
+            <a:ext cx="1233565" cy="392386"/>
+          </a:xfrm>
+          <a:prstGeom prst="rect">
+            <a:avLst/>
+          </a:prstGeom>
+          <a:ln>
+            <a:solidFill>
+              <a:schemeClr val="accent1"/>
+            </a:solidFill>
+          </a:ln>
+        </p:spPr>
+        <p:style>
+          <a:lnRef idx="2">
+            <a:schemeClr val="dk1"/>
+          </a:lnRef>
+          <a:fillRef idx="1">
+            <a:schemeClr val="lt1"/>
+          </a:fillRef>
+          <a:effectRef idx="0">
+            <a:schemeClr val="dk1"/>
+          </a:effectRef>
+          <a:fontRef idx="minor">
+            <a:schemeClr val="dk1"/>
+          </a:fontRef>
+        </p:style>
+        <p:txBody>
+          <a:bodyPr rtlCol="0" anchor="ctr"/>
+          <a:lstStyle/>
+          <a:p>
+            <a:pPr algn="ctr"/>
+            <a:r>
+              <a:rPr lang="en-GB" sz="1200" dirty="0"/>
+              <a:t>Find top list by feature</a:t>
+            </a:r>
+            <a:endParaRPr lang="en-US" sz="1200" dirty="0"/>
+          </a:p>
+        </p:txBody>
+      </p:sp>
+      <p:sp>
+        <p:nvSpPr>
+          <p:cNvPr id="88" name="Rectangle 87">
+            <a:extLst>
+              <a:ext uri="{FF2B5EF4-FFF2-40B4-BE49-F238E27FC236}">
+                <a16:creationId xmlns:a16="http://schemas.microsoft.com/office/drawing/2014/main" id="{85CBA6EE-2D3A-A0D0-822E-10E3DB3C3458}"/>
+              </a:ext>
+            </a:extLst>
+          </p:cNvPr>
+          <p:cNvSpPr/>
+          <p:nvPr/>
+        </p:nvSpPr>
+        <p:spPr>
+          <a:xfrm>
+            <a:off x="10209966" y="3690114"/>
+            <a:ext cx="1233565" cy="392386"/>
+          </a:xfrm>
+          <a:prstGeom prst="rect">
+            <a:avLst/>
+          </a:prstGeom>
+          <a:ln>
+            <a:solidFill>
+              <a:schemeClr val="accent1"/>
+            </a:solidFill>
+          </a:ln>
+        </p:spPr>
+        <p:style>
+          <a:lnRef idx="2">
+            <a:schemeClr val="dk1"/>
+          </a:lnRef>
+          <a:fillRef idx="1">
+            <a:schemeClr val="lt1"/>
+          </a:fillRef>
+          <a:effectRef idx="0">
+            <a:schemeClr val="dk1"/>
+          </a:effectRef>
+          <a:fontRef idx="minor">
+            <a:schemeClr val="dk1"/>
+          </a:fontRef>
+        </p:style>
+        <p:txBody>
+          <a:bodyPr rtlCol="0" anchor="ctr"/>
+          <a:lstStyle/>
+          <a:p>
+            <a:pPr algn="ctr"/>
+            <a:r>
+              <a:rPr lang="en-GB" sz="1200" dirty="0"/>
+              <a:t>Group by two features</a:t>
+            </a:r>
+            <a:endParaRPr lang="en-US" sz="1200" dirty="0"/>
+          </a:p>
+        </p:txBody>
+      </p:sp>
+      <p:sp>
+        <p:nvSpPr>
+          <p:cNvPr id="89" name="Rectangle 88">
+            <a:extLst>
+              <a:ext uri="{FF2B5EF4-FFF2-40B4-BE49-F238E27FC236}">
+                <a16:creationId xmlns:a16="http://schemas.microsoft.com/office/drawing/2014/main" id="{5E3674EB-45FC-D668-1AB1-DAF803BBB5DB}"/>
+              </a:ext>
+            </a:extLst>
+          </p:cNvPr>
+          <p:cNvSpPr/>
+          <p:nvPr/>
+        </p:nvSpPr>
+        <p:spPr>
+          <a:xfrm>
+            <a:off x="10221586" y="4810836"/>
+            <a:ext cx="1233565" cy="392386"/>
+          </a:xfrm>
+          <a:prstGeom prst="rect">
+            <a:avLst/>
+          </a:prstGeom>
+          <a:ln>
+            <a:solidFill>
+              <a:schemeClr val="accent1"/>
+            </a:solidFill>
+          </a:ln>
+        </p:spPr>
+        <p:style>
+          <a:lnRef idx="2">
+            <a:schemeClr val="dk1"/>
+          </a:lnRef>
+          <a:fillRef idx="1">
+            <a:schemeClr val="lt1"/>
+          </a:fillRef>
+          <a:effectRef idx="0">
+            <a:schemeClr val="dk1"/>
+          </a:effectRef>
+          <a:fontRef idx="minor">
+            <a:schemeClr val="dk1"/>
+          </a:fontRef>
+        </p:style>
+        <p:txBody>
+          <a:bodyPr rtlCol="0" anchor="ctr"/>
+          <a:lstStyle/>
+          <a:p>
+            <a:pPr algn="ctr"/>
+            <a:r>
+              <a:rPr lang="en-GB" sz="1200" dirty="0"/>
+              <a:t>Group by one features</a:t>
+            </a:r>
+            <a:endParaRPr lang="en-US" sz="1200" dirty="0"/>
+          </a:p>
+        </p:txBody>
+      </p:sp>
+      <p:sp>
+        <p:nvSpPr>
+          <p:cNvPr id="90" name="Rectangle 89">
+            <a:extLst>
+              <a:ext uri="{FF2B5EF4-FFF2-40B4-BE49-F238E27FC236}">
+                <a16:creationId xmlns:a16="http://schemas.microsoft.com/office/drawing/2014/main" id="{E5CC1828-FDA4-1FA7-FB82-7A534B26203B}"/>
+              </a:ext>
+            </a:extLst>
+          </p:cNvPr>
+          <p:cNvSpPr/>
+          <p:nvPr/>
+        </p:nvSpPr>
+        <p:spPr>
+          <a:xfrm>
+            <a:off x="10271839" y="5967466"/>
+            <a:ext cx="1233565" cy="392386"/>
+          </a:xfrm>
+          <a:prstGeom prst="rect">
+            <a:avLst/>
+          </a:prstGeom>
+          <a:ln>
+            <a:solidFill>
+              <a:schemeClr val="accent1"/>
+            </a:solidFill>
+          </a:ln>
+        </p:spPr>
+        <p:style>
+          <a:lnRef idx="2">
+            <a:schemeClr val="dk1"/>
+          </a:lnRef>
+          <a:fillRef idx="1">
+            <a:schemeClr val="lt1"/>
+          </a:fillRef>
+          <a:effectRef idx="0">
+            <a:schemeClr val="dk1"/>
+          </a:effectRef>
+          <a:fontRef idx="minor">
+            <a:schemeClr val="dk1"/>
+          </a:fontRef>
+        </p:style>
+        <p:txBody>
+          <a:bodyPr rtlCol="0" anchor="ctr"/>
+          <a:lstStyle/>
+          <a:p>
+            <a:pPr algn="ctr"/>
+            <a:r>
+              <a:rPr lang="en-GB" sz="1200" dirty="0"/>
+              <a:t>Count devices by feature and year </a:t>
+            </a:r>
+            <a:endParaRPr lang="en-US" sz="1200" dirty="0"/>
+          </a:p>
+        </p:txBody>
+      </p:sp>
+      <p:cxnSp>
+        <p:nvCxnSpPr>
+          <p:cNvPr id="95" name="Connector: Elbow 94">
+            <a:extLst>
+              <a:ext uri="{FF2B5EF4-FFF2-40B4-BE49-F238E27FC236}">
+                <a16:creationId xmlns:a16="http://schemas.microsoft.com/office/drawing/2014/main" id="{D6248599-2995-5D21-F28D-0B788F08F47D}"/>
+              </a:ext>
+            </a:extLst>
+          </p:cNvPr>
+          <p:cNvCxnSpPr>
+            <a:cxnSpLocks/>
+          </p:cNvCxnSpPr>
+          <p:nvPr/>
+        </p:nvCxnSpPr>
+        <p:spPr>
+          <a:xfrm rot="5400000">
+            <a:off x="9673291" y="1082168"/>
+            <a:ext cx="324000" cy="0"/>
+          </a:xfrm>
+          <a:prstGeom prst="bentConnector3">
+            <a:avLst>
+              <a:gd name="adj1" fmla="val 50000"/>
+            </a:avLst>
+          </a:prstGeom>
+          <a:ln>
+            <a:solidFill>
+              <a:schemeClr val="tx1"/>
+            </a:solidFill>
+            <a:tailEnd type="triangle"/>
+          </a:ln>
+        </p:spPr>
+        <p:style>
+          <a:lnRef idx="1">
+            <a:schemeClr val="accent1"/>
+          </a:lnRef>
+          <a:fillRef idx="0">
+            <a:schemeClr val="accent1"/>
+          </a:fillRef>
+          <a:effectRef idx="0">
+            <a:schemeClr val="accent1"/>
+          </a:effectRef>
+          <a:fontRef idx="minor">
+            <a:schemeClr val="tx1"/>
+          </a:fontRef>
+        </p:style>
+      </p:cxnSp>
+      <p:cxnSp>
+        <p:nvCxnSpPr>
+          <p:cNvPr id="96" name="Connector: Elbow 95">
+            <a:extLst>
+              <a:ext uri="{FF2B5EF4-FFF2-40B4-BE49-F238E27FC236}">
+                <a16:creationId xmlns:a16="http://schemas.microsoft.com/office/drawing/2014/main" id="{6BBF0880-4268-CA59-D100-5765E8A91ADC}"/>
+              </a:ext>
+            </a:extLst>
+          </p:cNvPr>
+          <p:cNvCxnSpPr>
+            <a:cxnSpLocks/>
+          </p:cNvCxnSpPr>
+          <p:nvPr/>
+        </p:nvCxnSpPr>
+        <p:spPr>
+          <a:xfrm rot="5400000">
+            <a:off x="5672842" y="762906"/>
+            <a:ext cx="324000" cy="0"/>
+          </a:xfrm>
+          <a:prstGeom prst="bentConnector3">
+            <a:avLst>
+              <a:gd name="adj1" fmla="val 50000"/>
+            </a:avLst>
+          </a:prstGeom>
+          <a:ln>
+            <a:solidFill>
+              <a:schemeClr val="tx1"/>
+            </a:solidFill>
+            <a:tailEnd type="none"/>
+          </a:ln>
+        </p:spPr>
+        <p:style>
+          <a:lnRef idx="1">
+            <a:schemeClr val="accent1"/>
+          </a:lnRef>
+          <a:fillRef idx="0">
+            <a:schemeClr val="accent1"/>
+          </a:fillRef>
+          <a:effectRef idx="0">
+            <a:schemeClr val="accent1"/>
+          </a:effectRef>
+          <a:fontRef idx="minor">
+            <a:schemeClr val="tx1"/>
+          </a:fontRef>
+        </p:style>
+      </p:cxnSp>
+      <p:cxnSp>
+        <p:nvCxnSpPr>
+          <p:cNvPr id="103" name="Connector: Elbow 102">
+            <a:extLst>
+              <a:ext uri="{FF2B5EF4-FFF2-40B4-BE49-F238E27FC236}">
+                <a16:creationId xmlns:a16="http://schemas.microsoft.com/office/drawing/2014/main" id="{F4E2A83F-845F-2D8F-EB70-5957F0D24C57}"/>
+              </a:ext>
+            </a:extLst>
+          </p:cNvPr>
+          <p:cNvCxnSpPr>
+            <a:cxnSpLocks/>
+          </p:cNvCxnSpPr>
+          <p:nvPr/>
+        </p:nvCxnSpPr>
+        <p:spPr>
+          <a:xfrm rot="10800000" flipV="1">
+            <a:off x="1080400" y="916524"/>
+            <a:ext cx="8748000" cy="288000"/>
+          </a:xfrm>
+          <a:prstGeom prst="bentConnector2">
+            <a:avLst/>
+          </a:prstGeom>
+          <a:ln>
+            <a:solidFill>
+              <a:schemeClr val="tx1"/>
+            </a:solidFill>
+            <a:tailEnd type="triangle"/>
+          </a:ln>
+        </p:spPr>
+        <p:style>
+          <a:lnRef idx="1">
+            <a:schemeClr val="accent1"/>
+          </a:lnRef>
+          <a:fillRef idx="0">
+            <a:schemeClr val="accent1"/>
+          </a:fillRef>
+          <a:effectRef idx="0">
+            <a:schemeClr val="accent1"/>
+          </a:effectRef>
+          <a:fontRef idx="minor">
+            <a:schemeClr val="tx1"/>
+          </a:fontRef>
+        </p:style>
+      </p:cxnSp>
+      <p:cxnSp>
+        <p:nvCxnSpPr>
+          <p:cNvPr id="104" name="Connector: Elbow 103">
+            <a:extLst>
+              <a:ext uri="{FF2B5EF4-FFF2-40B4-BE49-F238E27FC236}">
+                <a16:creationId xmlns:a16="http://schemas.microsoft.com/office/drawing/2014/main" id="{121ECF99-522B-66AB-BF42-0970A68874FB}"/>
+              </a:ext>
+            </a:extLst>
+          </p:cNvPr>
+          <p:cNvCxnSpPr>
+            <a:cxnSpLocks/>
+          </p:cNvCxnSpPr>
+          <p:nvPr/>
+        </p:nvCxnSpPr>
+        <p:spPr>
+          <a:xfrm rot="10800000" flipH="1" flipV="1">
+            <a:off x="5171891" y="1491372"/>
+            <a:ext cx="1800000" cy="288000"/>
+          </a:xfrm>
+          <a:prstGeom prst="bentConnector2">
+            <a:avLst/>
+          </a:prstGeom>
+          <a:ln>
+            <a:solidFill>
+              <a:schemeClr val="tx1"/>
+            </a:solidFill>
+            <a:tailEnd type="triangle"/>
+          </a:ln>
+        </p:spPr>
+        <p:style>
+          <a:lnRef idx="1">
+            <a:schemeClr val="accent1"/>
+          </a:lnRef>
+          <a:fillRef idx="0">
+            <a:schemeClr val="accent1"/>
+          </a:fillRef>
+          <a:effectRef idx="0">
+            <a:schemeClr val="accent1"/>
+          </a:effectRef>
+          <a:fontRef idx="minor">
+            <a:schemeClr val="tx1"/>
+          </a:fontRef>
+        </p:style>
+      </p:cxnSp>
     </p:spTree>
     <p:extLst>
       <p:ext uri="{BB962C8B-B14F-4D97-AF65-F5344CB8AC3E}">
